--- a/plots/Fig3.pptx
+++ b/plots/Fig3.pptx
@@ -107,12 +107,7 @@
   <p:extLst>
     <p:ext uri="{EFAFB233-063F-42B5-8137-9DF3F51BA10A}">
       <p15:sldGuideLst xmlns:p15="http://schemas.microsoft.com/office/powerpoint/2012/main">
-        <p15:guide id="1" orient="horz" pos="3840" userDrawn="1">
-          <p15:clr>
-            <a:srgbClr val="A4A3A4"/>
-          </p15:clr>
-        </p15:guide>
-        <p15:guide id="2" pos="2160" userDrawn="1">
+        <p15:guide id="1" orient="horz" pos="7129" userDrawn="1">
           <p15:clr>
             <a:srgbClr val="A4A3A4"/>
           </p15:clr>
@@ -2984,10 +2979,10 @@
       </p:grpSpPr>
       <p:pic>
         <p:nvPicPr>
-          <p:cNvPr id="11" name="Picture 10">
+          <p:cNvPr id="3" name="Picture 2" descr="Chart&#10;&#10;Description automatically generated">
             <a:extLst>
               <a:ext uri="{FF2B5EF4-FFF2-40B4-BE49-F238E27FC236}">
-                <a16:creationId xmlns:a16="http://schemas.microsoft.com/office/drawing/2014/main" id="{D9008B5E-3E72-B64F-B3D9-230766875525}"/>
+                <a16:creationId xmlns:a16="http://schemas.microsoft.com/office/drawing/2014/main" id="{873C2BA4-557C-AC4E-8D2C-28DE700CC35F}"/>
               </a:ext>
             </a:extLst>
           </p:cNvPr>
@@ -2998,25 +2993,136 @@
         </p:nvPicPr>
         <p:blipFill rotWithShape="1">
           <a:blip r:embed="rId2"/>
-          <a:srcRect l="4631" t="3518" r="4814" b="5926"/>
+          <a:srcRect l="3977" t="4855" r="4093" b="5789"/>
           <a:stretch/>
         </p:blipFill>
         <p:spPr>
           <a:xfrm>
-            <a:off x="647700" y="5981700"/>
-            <a:ext cx="6210300" cy="6210300"/>
+            <a:off x="3340484" y="6902229"/>
+            <a:ext cx="3517516" cy="3419061"/>
           </a:xfrm>
           <a:prstGeom prst="rect">
             <a:avLst/>
           </a:prstGeom>
         </p:spPr>
       </p:pic>
+      <p:sp>
+        <p:nvSpPr>
+          <p:cNvPr id="10" name="TextBox 9">
+            <a:extLst>
+              <a:ext uri="{FF2B5EF4-FFF2-40B4-BE49-F238E27FC236}">
+                <a16:creationId xmlns:a16="http://schemas.microsoft.com/office/drawing/2014/main" id="{56F70566-F9DF-F74B-AE88-29B0A4C00D55}"/>
+              </a:ext>
+            </a:extLst>
+          </p:cNvPr>
+          <p:cNvSpPr txBox="1"/>
+          <p:nvPr/>
+        </p:nvSpPr>
+        <p:spPr>
+          <a:xfrm>
+            <a:off x="3056782" y="0"/>
+            <a:ext cx="372218" cy="461665"/>
+          </a:xfrm>
+          <a:prstGeom prst="rect">
+            <a:avLst/>
+          </a:prstGeom>
+          <a:noFill/>
+        </p:spPr>
+        <p:txBody>
+          <a:bodyPr wrap="square" rtlCol="0">
+            <a:spAutoFit/>
+          </a:bodyPr>
+          <a:lstStyle/>
+          <a:p>
+            <a:r>
+              <a:rPr lang="en-GB" sz="2400" b="1" dirty="0">
+                <a:latin typeface="Helvetica" pitchFamily="2" charset="0"/>
+              </a:rPr>
+              <a:t>a</a:t>
+            </a:r>
+          </a:p>
+        </p:txBody>
+      </p:sp>
+      <p:sp>
+        <p:nvSpPr>
+          <p:cNvPr id="12" name="TextBox 11">
+            <a:extLst>
+              <a:ext uri="{FF2B5EF4-FFF2-40B4-BE49-F238E27FC236}">
+                <a16:creationId xmlns:a16="http://schemas.microsoft.com/office/drawing/2014/main" id="{63CC509A-7BF5-714E-85F7-356A4E59717D}"/>
+              </a:ext>
+            </a:extLst>
+          </p:cNvPr>
+          <p:cNvSpPr txBox="1"/>
+          <p:nvPr/>
+        </p:nvSpPr>
+        <p:spPr>
+          <a:xfrm>
+            <a:off x="3056782" y="3220281"/>
+            <a:ext cx="372218" cy="461665"/>
+          </a:xfrm>
+          <a:prstGeom prst="rect">
+            <a:avLst/>
+          </a:prstGeom>
+          <a:noFill/>
+        </p:spPr>
+        <p:txBody>
+          <a:bodyPr wrap="square" rtlCol="0">
+            <a:spAutoFit/>
+          </a:bodyPr>
+          <a:lstStyle/>
+          <a:p>
+            <a:r>
+              <a:rPr lang="en-GB" sz="2400" b="1" dirty="0">
+                <a:latin typeface="Helvetica" pitchFamily="2" charset="0"/>
+              </a:rPr>
+              <a:t>b</a:t>
+            </a:r>
+          </a:p>
+        </p:txBody>
+      </p:sp>
+      <p:sp>
+        <p:nvSpPr>
+          <p:cNvPr id="15" name="TextBox 14">
+            <a:extLst>
+              <a:ext uri="{FF2B5EF4-FFF2-40B4-BE49-F238E27FC236}">
+                <a16:creationId xmlns:a16="http://schemas.microsoft.com/office/drawing/2014/main" id="{A61F57D5-8171-6A47-B545-4B6CBDE36CE1}"/>
+              </a:ext>
+            </a:extLst>
+          </p:cNvPr>
+          <p:cNvSpPr txBox="1"/>
+          <p:nvPr/>
+        </p:nvSpPr>
+        <p:spPr>
+          <a:xfrm>
+            <a:off x="3056782" y="6821035"/>
+            <a:ext cx="372218" cy="461665"/>
+          </a:xfrm>
+          <a:prstGeom prst="rect">
+            <a:avLst/>
+          </a:prstGeom>
+          <a:noFill/>
+        </p:spPr>
+        <p:txBody>
+          <a:bodyPr wrap="square" rtlCol="0">
+            <a:spAutoFit/>
+          </a:bodyPr>
+          <a:lstStyle/>
+          <a:p>
+            <a:r>
+              <a:rPr lang="en-GB" sz="2400" b="1" dirty="0">
+                <a:latin typeface="Helvetica" pitchFamily="2" charset="0"/>
+              </a:rPr>
+              <a:t>c</a:t>
+            </a:r>
+          </a:p>
+        </p:txBody>
+      </p:sp>
       <p:pic>
         <p:nvPicPr>
-          <p:cNvPr id="9" name="Picture 8">
+          <p:cNvPr id="6" name="Picture 5">
             <a:extLst>
               <a:ext uri="{FF2B5EF4-FFF2-40B4-BE49-F238E27FC236}">
-                <a16:creationId xmlns:a16="http://schemas.microsoft.com/office/drawing/2014/main" id="{E8714E60-F0F4-FC4B-85C2-ADAD44F4F9C0}"/>
+                <a16:creationId xmlns:a16="http://schemas.microsoft.com/office/drawing/2014/main" id="{302E7A3E-49C4-C749-B4D4-9875C9406469}"/>
               </a:ext>
             </a:extLst>
           </p:cNvPr>
@@ -3027,93 +3133,48 @@
         </p:nvPicPr>
         <p:blipFill rotWithShape="1">
           <a:blip r:embed="rId3"/>
-          <a:srcRect l="4814" t="5370" r="4630" b="5741"/>
+          <a:srcRect l="4446" t="5088" r="4327" b="5556"/>
           <a:stretch/>
         </p:blipFill>
         <p:spPr>
           <a:xfrm>
-            <a:off x="647700" y="0"/>
-            <a:ext cx="6210300" cy="6096000"/>
+            <a:off x="3367334" y="0"/>
+            <a:ext cx="3490665" cy="3419061"/>
           </a:xfrm>
           <a:prstGeom prst="rect">
             <a:avLst/>
           </a:prstGeom>
         </p:spPr>
       </p:pic>
-      <p:sp>
-        <p:nvSpPr>
-          <p:cNvPr id="13" name="TextBox 12">
+      <p:pic>
+        <p:nvPicPr>
+          <p:cNvPr id="8" name="Picture 7">
             <a:extLst>
               <a:ext uri="{FF2B5EF4-FFF2-40B4-BE49-F238E27FC236}">
-                <a16:creationId xmlns:a16="http://schemas.microsoft.com/office/drawing/2014/main" id="{24DF142F-2ABA-BB45-B9C1-31F19BBAF217}"/>
+                <a16:creationId xmlns:a16="http://schemas.microsoft.com/office/drawing/2014/main" id="{D1E1C94C-6939-8144-8CF1-0CE9274A24F5}"/>
               </a:ext>
             </a:extLst>
           </p:cNvPr>
-          <p:cNvSpPr txBox="1"/>
+          <p:cNvPicPr>
+            <a:picLocks noChangeAspect="1"/>
+          </p:cNvPicPr>
           <p:nvPr/>
-        </p:nvSpPr>
+        </p:nvPicPr>
+        <p:blipFill rotWithShape="1">
+          <a:blip r:embed="rId4"/>
+          <a:srcRect l="3894" t="3837" r="4878" b="6807"/>
+          <a:stretch/>
+        </p:blipFill>
         <p:spPr>
           <a:xfrm>
-            <a:off x="0" y="0"/>
-            <a:ext cx="412292" cy="584775"/>
+            <a:off x="3384780" y="3419061"/>
+            <a:ext cx="3473220" cy="3401974"/>
           </a:xfrm>
           <a:prstGeom prst="rect">
             <a:avLst/>
           </a:prstGeom>
-          <a:noFill/>
         </p:spPr>
-        <p:txBody>
-          <a:bodyPr wrap="none" rtlCol="0">
-            <a:spAutoFit/>
-          </a:bodyPr>
-          <a:lstStyle/>
-          <a:p>
-            <a:r>
-              <a:rPr lang="en-GB" sz="3200" b="1" dirty="0">
-                <a:latin typeface="Helvetica" pitchFamily="2" charset="0"/>
-              </a:rPr>
-              <a:t>a</a:t>
-            </a:r>
-          </a:p>
-        </p:txBody>
-      </p:sp>
-      <p:sp>
-        <p:nvSpPr>
-          <p:cNvPr id="14" name="TextBox 13">
-            <a:extLst>
-              <a:ext uri="{FF2B5EF4-FFF2-40B4-BE49-F238E27FC236}">
-                <a16:creationId xmlns:a16="http://schemas.microsoft.com/office/drawing/2014/main" id="{ACB82239-53F3-1B45-B229-2BF09FCE215D}"/>
-              </a:ext>
-            </a:extLst>
-          </p:cNvPr>
-          <p:cNvSpPr txBox="1"/>
-          <p:nvPr/>
-        </p:nvSpPr>
-        <p:spPr>
-          <a:xfrm>
-            <a:off x="-11221" y="6096000"/>
-            <a:ext cx="434734" cy="584775"/>
-          </a:xfrm>
-          <a:prstGeom prst="rect">
-            <a:avLst/>
-          </a:prstGeom>
-          <a:noFill/>
-        </p:spPr>
-        <p:txBody>
-          <a:bodyPr wrap="none" rtlCol="0">
-            <a:spAutoFit/>
-          </a:bodyPr>
-          <a:lstStyle/>
-          <a:p>
-            <a:r>
-              <a:rPr lang="en-GB" sz="3200" b="1" dirty="0">
-                <a:latin typeface="Helvetica" pitchFamily="2" charset="0"/>
-              </a:rPr>
-              <a:t>b</a:t>
-            </a:r>
-          </a:p>
-        </p:txBody>
-      </p:sp>
+      </p:pic>
     </p:spTree>
     <p:extLst>
       <p:ext uri="{BB962C8B-B14F-4D97-AF65-F5344CB8AC3E}">

--- a/plots/Fig3.pptx
+++ b/plots/Fig3.pptx
@@ -112,6 +112,11 @@
             <a:srgbClr val="A4A3A4"/>
           </p15:clr>
         </p15:guide>
+        <p15:guide id="2" pos="2160">
+          <p15:clr>
+            <a:srgbClr val="A4A3A4"/>
+          </p15:clr>
+        </p15:guide>
       </p15:sldGuideLst>
     </p:ext>
   </p:extLst>
@@ -249,7 +254,7 @@
           <a:p>
             <a:fld id="{2EA2911C-3394-1F4D-8873-E7938CAA67D5}" type="datetimeFigureOut">
               <a:rPr lang="en-GB" smtClean="0"/>
-              <a:t>12/04/2022</a:t>
+              <a:t>14/04/2022</a:t>
             </a:fld>
             <a:endParaRPr lang="en-GB"/>
           </a:p>
@@ -419,7 +424,7 @@
           <a:p>
             <a:fld id="{2EA2911C-3394-1F4D-8873-E7938CAA67D5}" type="datetimeFigureOut">
               <a:rPr lang="en-GB" smtClean="0"/>
-              <a:t>12/04/2022</a:t>
+              <a:t>14/04/2022</a:t>
             </a:fld>
             <a:endParaRPr lang="en-GB"/>
           </a:p>
@@ -599,7 +604,7 @@
           <a:p>
             <a:fld id="{2EA2911C-3394-1F4D-8873-E7938CAA67D5}" type="datetimeFigureOut">
               <a:rPr lang="en-GB" smtClean="0"/>
-              <a:t>12/04/2022</a:t>
+              <a:t>14/04/2022</a:t>
             </a:fld>
             <a:endParaRPr lang="en-GB"/>
           </a:p>
@@ -769,7 +774,7 @@
           <a:p>
             <a:fld id="{2EA2911C-3394-1F4D-8873-E7938CAA67D5}" type="datetimeFigureOut">
               <a:rPr lang="en-GB" smtClean="0"/>
-              <a:t>12/04/2022</a:t>
+              <a:t>14/04/2022</a:t>
             </a:fld>
             <a:endParaRPr lang="en-GB"/>
           </a:p>
@@ -1013,7 +1018,7 @@
           <a:p>
             <a:fld id="{2EA2911C-3394-1F4D-8873-E7938CAA67D5}" type="datetimeFigureOut">
               <a:rPr lang="en-GB" smtClean="0"/>
-              <a:t>12/04/2022</a:t>
+              <a:t>14/04/2022</a:t>
             </a:fld>
             <a:endParaRPr lang="en-GB"/>
           </a:p>
@@ -1245,7 +1250,7 @@
           <a:p>
             <a:fld id="{2EA2911C-3394-1F4D-8873-E7938CAA67D5}" type="datetimeFigureOut">
               <a:rPr lang="en-GB" smtClean="0"/>
-              <a:t>12/04/2022</a:t>
+              <a:t>14/04/2022</a:t>
             </a:fld>
             <a:endParaRPr lang="en-GB"/>
           </a:p>
@@ -1612,7 +1617,7 @@
           <a:p>
             <a:fld id="{2EA2911C-3394-1F4D-8873-E7938CAA67D5}" type="datetimeFigureOut">
               <a:rPr lang="en-GB" smtClean="0"/>
-              <a:t>12/04/2022</a:t>
+              <a:t>14/04/2022</a:t>
             </a:fld>
             <a:endParaRPr lang="en-GB"/>
           </a:p>
@@ -1730,7 +1735,7 @@
           <a:p>
             <a:fld id="{2EA2911C-3394-1F4D-8873-E7938CAA67D5}" type="datetimeFigureOut">
               <a:rPr lang="en-GB" smtClean="0"/>
-              <a:t>12/04/2022</a:t>
+              <a:t>14/04/2022</a:t>
             </a:fld>
             <a:endParaRPr lang="en-GB"/>
           </a:p>
@@ -1825,7 +1830,7 @@
           <a:p>
             <a:fld id="{2EA2911C-3394-1F4D-8873-E7938CAA67D5}" type="datetimeFigureOut">
               <a:rPr lang="en-GB" smtClean="0"/>
-              <a:t>12/04/2022</a:t>
+              <a:t>14/04/2022</a:t>
             </a:fld>
             <a:endParaRPr lang="en-GB"/>
           </a:p>
@@ -2102,7 +2107,7 @@
           <a:p>
             <a:fld id="{2EA2911C-3394-1F4D-8873-E7938CAA67D5}" type="datetimeFigureOut">
               <a:rPr lang="en-GB" smtClean="0"/>
-              <a:t>12/04/2022</a:t>
+              <a:t>14/04/2022</a:t>
             </a:fld>
             <a:endParaRPr lang="en-GB"/>
           </a:p>
@@ -2359,7 +2364,7 @@
           <a:p>
             <a:fld id="{2EA2911C-3394-1F4D-8873-E7938CAA67D5}" type="datetimeFigureOut">
               <a:rPr lang="en-GB" smtClean="0"/>
-              <a:t>12/04/2022</a:t>
+              <a:t>14/04/2022</a:t>
             </a:fld>
             <a:endParaRPr lang="en-GB"/>
           </a:p>
@@ -2572,7 +2577,7 @@
           <a:p>
             <a:fld id="{2EA2911C-3394-1F4D-8873-E7938CAA67D5}" type="datetimeFigureOut">
               <a:rPr lang="en-GB" smtClean="0"/>
-              <a:t>12/04/2022</a:t>
+              <a:t>14/04/2022</a:t>
             </a:fld>
             <a:endParaRPr lang="en-GB"/>
           </a:p>
@@ -2998,7 +3003,7 @@
         </p:blipFill>
         <p:spPr>
           <a:xfrm>
-            <a:off x="3340484" y="6902229"/>
+            <a:off x="3340484" y="6838279"/>
             <a:ext cx="3517516" cy="3419061"/>
           </a:xfrm>
           <a:prstGeom prst="rect">
@@ -3057,7 +3062,7 @@
         </p:nvSpPr>
         <p:spPr>
           <a:xfrm>
-            <a:off x="3056782" y="3220281"/>
+            <a:off x="3056782" y="3303443"/>
             <a:ext cx="372218" cy="461665"/>
           </a:xfrm>
           <a:prstGeom prst="rect">
@@ -3094,7 +3099,7 @@
         </p:nvSpPr>
         <p:spPr>
           <a:xfrm>
-            <a:off x="3056782" y="6821035"/>
+            <a:off x="3060430" y="6723064"/>
             <a:ext cx="372218" cy="461665"/>
           </a:xfrm>
           <a:prstGeom prst="rect">
@@ -3148,10 +3153,10 @@
       </p:pic>
       <p:pic>
         <p:nvPicPr>
-          <p:cNvPr id="8" name="Picture 7">
+          <p:cNvPr id="4" name="Picture 3">
             <a:extLst>
               <a:ext uri="{FF2B5EF4-FFF2-40B4-BE49-F238E27FC236}">
-                <a16:creationId xmlns:a16="http://schemas.microsoft.com/office/drawing/2014/main" id="{D1E1C94C-6939-8144-8CF1-0CE9274A24F5}"/>
+                <a16:creationId xmlns:a16="http://schemas.microsoft.com/office/drawing/2014/main" id="{3890232F-BC3A-77CA-E1B6-57EFB392190F}"/>
               </a:ext>
             </a:extLst>
           </p:cNvPr>
@@ -3162,13 +3167,13 @@
         </p:nvPicPr>
         <p:blipFill rotWithShape="1">
           <a:blip r:embed="rId4"/>
-          <a:srcRect l="3894" t="3837" r="4878" b="6807"/>
+          <a:srcRect l="4286" t="4446" r="5080" b="6349"/>
           <a:stretch/>
         </p:blipFill>
         <p:spPr>
           <a:xfrm>
-            <a:off x="3384780" y="3419061"/>
-            <a:ext cx="3473220" cy="3401974"/>
+            <a:off x="3340484" y="3419218"/>
+            <a:ext cx="3473815" cy="3419061"/>
           </a:xfrm>
           <a:prstGeom prst="rect">
             <a:avLst/>

--- a/plots/Fig3.pptx
+++ b/plots/Fig3.pptx
@@ -2,12 +2,12 @@
 <file path=ppt/presentation.xml><?xml version="1.0" encoding="utf-8"?>
 <p:presentation xmlns:a="http://schemas.openxmlformats.org/drawingml/2006/main" xmlns:r="http://schemas.openxmlformats.org/officeDocument/2006/relationships" xmlns:p="http://schemas.openxmlformats.org/presentationml/2006/main" saveSubsetFonts="1" autoCompressPictures="0">
   <p:sldMasterIdLst>
-    <p:sldMasterId id="2147483660" r:id="rId1"/>
+    <p:sldMasterId id="2147483672" r:id="rId1"/>
   </p:sldMasterIdLst>
   <p:sldIdLst>
     <p:sldId id="256" r:id="rId2"/>
   </p:sldIdLst>
-  <p:sldSz cx="6858000" cy="12192000"/>
+  <p:sldSz cx="12192000" cy="6858000"/>
   <p:notesSz cx="6858000" cy="9144000"/>
   <p:defaultTextStyle>
     <a:defPPr>
@@ -107,12 +107,12 @@
   <p:extLst>
     <p:ext uri="{EFAFB233-063F-42B5-8137-9DF3F51BA10A}">
       <p15:sldGuideLst xmlns:p15="http://schemas.microsoft.com/office/powerpoint/2012/main">
-        <p15:guide id="1" orient="horz" pos="7129" userDrawn="1">
+        <p15:guide id="1" orient="horz" pos="4010" userDrawn="1">
           <p15:clr>
             <a:srgbClr val="A4A3A4"/>
           </p15:clr>
         </p15:guide>
-        <p15:guide id="2" pos="2160">
+        <p15:guide id="2" pos="3840" userDrawn="1">
           <p15:clr>
             <a:srgbClr val="A4A3A4"/>
           </p15:clr>
@@ -152,15 +152,15 @@
         </p:nvSpPr>
         <p:spPr>
           <a:xfrm>
-            <a:off x="514350" y="1995312"/>
-            <a:ext cx="5829300" cy="4244622"/>
+            <a:off x="1524000" y="1122363"/>
+            <a:ext cx="9144000" cy="2387600"/>
           </a:xfrm>
         </p:spPr>
         <p:txBody>
           <a:bodyPr anchor="b"/>
           <a:lstStyle>
             <a:lvl1pPr algn="ctr">
-              <a:defRPr sz="4500"/>
+              <a:defRPr sz="6000"/>
             </a:lvl1pPr>
           </a:lstStyle>
           <a:p>
@@ -184,8 +184,8 @@
         </p:nvSpPr>
         <p:spPr>
           <a:xfrm>
-            <a:off x="857250" y="6403623"/>
-            <a:ext cx="5143500" cy="2943577"/>
+            <a:off x="1524000" y="3602038"/>
+            <a:ext cx="9144000" cy="1655762"/>
           </a:xfrm>
         </p:spPr>
         <p:txBody>
@@ -193,39 +193,39 @@
           <a:lstStyle>
             <a:lvl1pPr marL="0" indent="0" algn="ctr">
               <a:buNone/>
+              <a:defRPr sz="2400"/>
+            </a:lvl1pPr>
+            <a:lvl2pPr marL="457200" indent="0" algn="ctr">
+              <a:buNone/>
+              <a:defRPr sz="2000"/>
+            </a:lvl2pPr>
+            <a:lvl3pPr marL="914400" indent="0" algn="ctr">
+              <a:buNone/>
               <a:defRPr sz="1800"/>
-            </a:lvl1pPr>
-            <a:lvl2pPr marL="342900" indent="0" algn="ctr">
-              <a:buNone/>
-              <a:defRPr sz="1500"/>
-            </a:lvl2pPr>
-            <a:lvl3pPr marL="685800" indent="0" algn="ctr">
-              <a:buNone/>
-              <a:defRPr sz="1350"/>
             </a:lvl3pPr>
-            <a:lvl4pPr marL="1028700" indent="0" algn="ctr">
-              <a:buNone/>
-              <a:defRPr sz="1200"/>
+            <a:lvl4pPr marL="1371600" indent="0" algn="ctr">
+              <a:buNone/>
+              <a:defRPr sz="1600"/>
             </a:lvl4pPr>
-            <a:lvl5pPr marL="1371600" indent="0" algn="ctr">
-              <a:buNone/>
-              <a:defRPr sz="1200"/>
+            <a:lvl5pPr marL="1828800" indent="0" algn="ctr">
+              <a:buNone/>
+              <a:defRPr sz="1600"/>
             </a:lvl5pPr>
-            <a:lvl6pPr marL="1714500" indent="0" algn="ctr">
-              <a:buNone/>
-              <a:defRPr sz="1200"/>
+            <a:lvl6pPr marL="2286000" indent="0" algn="ctr">
+              <a:buNone/>
+              <a:defRPr sz="1600"/>
             </a:lvl6pPr>
-            <a:lvl7pPr marL="2057400" indent="0" algn="ctr">
-              <a:buNone/>
-              <a:defRPr sz="1200"/>
+            <a:lvl7pPr marL="2743200" indent="0" algn="ctr">
+              <a:buNone/>
+              <a:defRPr sz="1600"/>
             </a:lvl7pPr>
-            <a:lvl8pPr marL="2400300" indent="0" algn="ctr">
-              <a:buNone/>
-              <a:defRPr sz="1200"/>
+            <a:lvl8pPr marL="3200400" indent="0" algn="ctr">
+              <a:buNone/>
+              <a:defRPr sz="1600"/>
             </a:lvl8pPr>
-            <a:lvl9pPr marL="2743200" indent="0" algn="ctr">
-              <a:buNone/>
-              <a:defRPr sz="1200"/>
+            <a:lvl9pPr marL="3657600" indent="0" algn="ctr">
+              <a:buNone/>
+              <a:defRPr sz="1600"/>
             </a:lvl9pPr>
           </a:lstStyle>
           <a:p>
@@ -254,7 +254,7 @@
           <a:p>
             <a:fld id="{2EA2911C-3394-1F4D-8873-E7938CAA67D5}" type="datetimeFigureOut">
               <a:rPr lang="en-GB" smtClean="0"/>
-              <a:t>14/04/2022</a:t>
+              <a:t>11/05/2022</a:t>
             </a:fld>
             <a:endParaRPr lang="en-GB"/>
           </a:p>
@@ -305,7 +305,7 @@
     </p:spTree>
     <p:extLst>
       <p:ext uri="{BB962C8B-B14F-4D97-AF65-F5344CB8AC3E}">
-        <p14:creationId xmlns:p14="http://schemas.microsoft.com/office/powerpoint/2010/main" val="3329954238"/>
+        <p14:creationId xmlns:p14="http://schemas.microsoft.com/office/powerpoint/2010/main" val="3448821368"/>
       </p:ext>
     </p:extLst>
   </p:cSld>
@@ -424,7 +424,7 @@
           <a:p>
             <a:fld id="{2EA2911C-3394-1F4D-8873-E7938CAA67D5}" type="datetimeFigureOut">
               <a:rPr lang="en-GB" smtClean="0"/>
-              <a:t>14/04/2022</a:t>
+              <a:t>11/05/2022</a:t>
             </a:fld>
             <a:endParaRPr lang="en-GB"/>
           </a:p>
@@ -475,7 +475,7 @@
     </p:spTree>
     <p:extLst>
       <p:ext uri="{BB962C8B-B14F-4D97-AF65-F5344CB8AC3E}">
-        <p14:creationId xmlns:p14="http://schemas.microsoft.com/office/powerpoint/2010/main" val="671983346"/>
+        <p14:creationId xmlns:p14="http://schemas.microsoft.com/office/powerpoint/2010/main" val="2415406594"/>
       </p:ext>
     </p:extLst>
   </p:cSld>
@@ -514,8 +514,8 @@
         </p:nvSpPr>
         <p:spPr>
           <a:xfrm>
-            <a:off x="4907757" y="649111"/>
-            <a:ext cx="1478756" cy="10332156"/>
+            <a:off x="8724900" y="365125"/>
+            <a:ext cx="2628900" cy="5811838"/>
           </a:xfrm>
         </p:spPr>
         <p:txBody>
@@ -542,8 +542,8 @@
         </p:nvSpPr>
         <p:spPr>
           <a:xfrm>
-            <a:off x="471488" y="649111"/>
-            <a:ext cx="4350544" cy="10332156"/>
+            <a:off x="838200" y="365125"/>
+            <a:ext cx="7734300" cy="5811838"/>
           </a:xfrm>
         </p:spPr>
         <p:txBody>
@@ -604,7 +604,7 @@
           <a:p>
             <a:fld id="{2EA2911C-3394-1F4D-8873-E7938CAA67D5}" type="datetimeFigureOut">
               <a:rPr lang="en-GB" smtClean="0"/>
-              <a:t>14/04/2022</a:t>
+              <a:t>11/05/2022</a:t>
             </a:fld>
             <a:endParaRPr lang="en-GB"/>
           </a:p>
@@ -655,7 +655,7 @@
     </p:spTree>
     <p:extLst>
       <p:ext uri="{BB962C8B-B14F-4D97-AF65-F5344CB8AC3E}">
-        <p14:creationId xmlns:p14="http://schemas.microsoft.com/office/powerpoint/2010/main" val="2842345897"/>
+        <p14:creationId xmlns:p14="http://schemas.microsoft.com/office/powerpoint/2010/main" val="2643882308"/>
       </p:ext>
     </p:extLst>
   </p:cSld>
@@ -774,7 +774,7 @@
           <a:p>
             <a:fld id="{2EA2911C-3394-1F4D-8873-E7938CAA67D5}" type="datetimeFigureOut">
               <a:rPr lang="en-GB" smtClean="0"/>
-              <a:t>14/04/2022</a:t>
+              <a:t>11/05/2022</a:t>
             </a:fld>
             <a:endParaRPr lang="en-GB"/>
           </a:p>
@@ -825,7 +825,7 @@
     </p:spTree>
     <p:extLst>
       <p:ext uri="{BB962C8B-B14F-4D97-AF65-F5344CB8AC3E}">
-        <p14:creationId xmlns:p14="http://schemas.microsoft.com/office/powerpoint/2010/main" val="3946950376"/>
+        <p14:creationId xmlns:p14="http://schemas.microsoft.com/office/powerpoint/2010/main" val="1704264688"/>
       </p:ext>
     </p:extLst>
   </p:cSld>
@@ -864,15 +864,15 @@
         </p:nvSpPr>
         <p:spPr>
           <a:xfrm>
-            <a:off x="467916" y="3039537"/>
-            <a:ext cx="5915025" cy="5071532"/>
+            <a:off x="831850" y="1709738"/>
+            <a:ext cx="10515600" cy="2852737"/>
           </a:xfrm>
         </p:spPr>
         <p:txBody>
           <a:bodyPr anchor="b"/>
           <a:lstStyle>
             <a:lvl1pPr>
-              <a:defRPr sz="4500"/>
+              <a:defRPr sz="6000"/>
             </a:lvl1pPr>
           </a:lstStyle>
           <a:p>
@@ -896,8 +896,8 @@
         </p:nvSpPr>
         <p:spPr>
           <a:xfrm>
-            <a:off x="467916" y="8159048"/>
-            <a:ext cx="5915025" cy="2666999"/>
+            <a:off x="831850" y="4589463"/>
+            <a:ext cx="10515600" cy="1500187"/>
           </a:xfrm>
         </p:spPr>
         <p:txBody>
@@ -905,15 +905,17 @@
           <a:lstStyle>
             <a:lvl1pPr marL="0" indent="0">
               <a:buNone/>
-              <a:defRPr sz="1800">
+              <a:defRPr sz="2400">
                 <a:solidFill>
-                  <a:schemeClr val="tx1"/>
+                  <a:schemeClr val="tx1">
+                    <a:tint val="75000"/>
+                  </a:schemeClr>
                 </a:solidFill>
               </a:defRPr>
             </a:lvl1pPr>
-            <a:lvl2pPr marL="342900" indent="0">
-              <a:buNone/>
-              <a:defRPr sz="1500">
+            <a:lvl2pPr marL="457200" indent="0">
+              <a:buNone/>
+              <a:defRPr sz="2000">
                 <a:solidFill>
                   <a:schemeClr val="tx1">
                     <a:tint val="75000"/>
@@ -921,9 +923,9 @@
                 </a:solidFill>
               </a:defRPr>
             </a:lvl2pPr>
-            <a:lvl3pPr marL="685800" indent="0">
-              <a:buNone/>
-              <a:defRPr sz="1350">
+            <a:lvl3pPr marL="914400" indent="0">
+              <a:buNone/>
+              <a:defRPr sz="1800">
                 <a:solidFill>
                   <a:schemeClr val="tx1">
                     <a:tint val="75000"/>
@@ -931,9 +933,9 @@
                 </a:solidFill>
               </a:defRPr>
             </a:lvl3pPr>
-            <a:lvl4pPr marL="1028700" indent="0">
-              <a:buNone/>
-              <a:defRPr sz="1200">
+            <a:lvl4pPr marL="1371600" indent="0">
+              <a:buNone/>
+              <a:defRPr sz="1600">
                 <a:solidFill>
                   <a:schemeClr val="tx1">
                     <a:tint val="75000"/>
@@ -941,9 +943,9 @@
                 </a:solidFill>
               </a:defRPr>
             </a:lvl4pPr>
-            <a:lvl5pPr marL="1371600" indent="0">
-              <a:buNone/>
-              <a:defRPr sz="1200">
+            <a:lvl5pPr marL="1828800" indent="0">
+              <a:buNone/>
+              <a:defRPr sz="1600">
                 <a:solidFill>
                   <a:schemeClr val="tx1">
                     <a:tint val="75000"/>
@@ -951,9 +953,9 @@
                 </a:solidFill>
               </a:defRPr>
             </a:lvl5pPr>
-            <a:lvl6pPr marL="1714500" indent="0">
-              <a:buNone/>
-              <a:defRPr sz="1200">
+            <a:lvl6pPr marL="2286000" indent="0">
+              <a:buNone/>
+              <a:defRPr sz="1600">
                 <a:solidFill>
                   <a:schemeClr val="tx1">
                     <a:tint val="75000"/>
@@ -961,9 +963,9 @@
                 </a:solidFill>
               </a:defRPr>
             </a:lvl6pPr>
-            <a:lvl7pPr marL="2057400" indent="0">
-              <a:buNone/>
-              <a:defRPr sz="1200">
+            <a:lvl7pPr marL="2743200" indent="0">
+              <a:buNone/>
+              <a:defRPr sz="1600">
                 <a:solidFill>
                   <a:schemeClr val="tx1">
                     <a:tint val="75000"/>
@@ -971,9 +973,9 @@
                 </a:solidFill>
               </a:defRPr>
             </a:lvl7pPr>
-            <a:lvl8pPr marL="2400300" indent="0">
-              <a:buNone/>
-              <a:defRPr sz="1200">
+            <a:lvl8pPr marL="3200400" indent="0">
+              <a:buNone/>
+              <a:defRPr sz="1600">
                 <a:solidFill>
                   <a:schemeClr val="tx1">
                     <a:tint val="75000"/>
@@ -981,9 +983,9 @@
                 </a:solidFill>
               </a:defRPr>
             </a:lvl8pPr>
-            <a:lvl9pPr marL="2743200" indent="0">
-              <a:buNone/>
-              <a:defRPr sz="1200">
+            <a:lvl9pPr marL="3657600" indent="0">
+              <a:buNone/>
+              <a:defRPr sz="1600">
                 <a:solidFill>
                   <a:schemeClr val="tx1">
                     <a:tint val="75000"/>
@@ -1018,7 +1020,7 @@
           <a:p>
             <a:fld id="{2EA2911C-3394-1F4D-8873-E7938CAA67D5}" type="datetimeFigureOut">
               <a:rPr lang="en-GB" smtClean="0"/>
-              <a:t>14/04/2022</a:t>
+              <a:t>11/05/2022</a:t>
             </a:fld>
             <a:endParaRPr lang="en-GB"/>
           </a:p>
@@ -1069,7 +1071,7 @@
     </p:spTree>
     <p:extLst>
       <p:ext uri="{BB962C8B-B14F-4D97-AF65-F5344CB8AC3E}">
-        <p14:creationId xmlns:p14="http://schemas.microsoft.com/office/powerpoint/2010/main" val="3947652264"/>
+        <p14:creationId xmlns:p14="http://schemas.microsoft.com/office/powerpoint/2010/main" val="3472457840"/>
       </p:ext>
     </p:extLst>
   </p:cSld>
@@ -1131,8 +1133,8 @@
         </p:nvSpPr>
         <p:spPr>
           <a:xfrm>
-            <a:off x="471488" y="3245556"/>
-            <a:ext cx="2914650" cy="7735712"/>
+            <a:off x="838200" y="1825625"/>
+            <a:ext cx="5181600" cy="4351338"/>
           </a:xfrm>
         </p:spPr>
         <p:txBody>
@@ -1188,8 +1190,8 @@
         </p:nvSpPr>
         <p:spPr>
           <a:xfrm>
-            <a:off x="3471863" y="3245556"/>
-            <a:ext cx="2914650" cy="7735712"/>
+            <a:off x="6172200" y="1825625"/>
+            <a:ext cx="5181600" cy="4351338"/>
           </a:xfrm>
         </p:spPr>
         <p:txBody>
@@ -1250,7 +1252,7 @@
           <a:p>
             <a:fld id="{2EA2911C-3394-1F4D-8873-E7938CAA67D5}" type="datetimeFigureOut">
               <a:rPr lang="en-GB" smtClean="0"/>
-              <a:t>14/04/2022</a:t>
+              <a:t>11/05/2022</a:t>
             </a:fld>
             <a:endParaRPr lang="en-GB"/>
           </a:p>
@@ -1301,7 +1303,7 @@
     </p:spTree>
     <p:extLst>
       <p:ext uri="{BB962C8B-B14F-4D97-AF65-F5344CB8AC3E}">
-        <p14:creationId xmlns:p14="http://schemas.microsoft.com/office/powerpoint/2010/main" val="564403911"/>
+        <p14:creationId xmlns:p14="http://schemas.microsoft.com/office/powerpoint/2010/main" val="2891277228"/>
       </p:ext>
     </p:extLst>
   </p:cSld>
@@ -1340,8 +1342,8 @@
         </p:nvSpPr>
         <p:spPr>
           <a:xfrm>
-            <a:off x="472381" y="649114"/>
-            <a:ext cx="5915025" cy="2356556"/>
+            <a:off x="839788" y="365125"/>
+            <a:ext cx="10515600" cy="1325563"/>
           </a:xfrm>
         </p:spPr>
         <p:txBody>
@@ -1368,8 +1370,8 @@
         </p:nvSpPr>
         <p:spPr>
           <a:xfrm>
-            <a:off x="472381" y="2988734"/>
-            <a:ext cx="2901255" cy="1464732"/>
+            <a:off x="839788" y="1681163"/>
+            <a:ext cx="5157787" cy="823912"/>
           </a:xfrm>
         </p:spPr>
         <p:txBody>
@@ -1377,39 +1379,39 @@
           <a:lstStyle>
             <a:lvl1pPr marL="0" indent="0">
               <a:buNone/>
+              <a:defRPr sz="2400" b="1"/>
+            </a:lvl1pPr>
+            <a:lvl2pPr marL="457200" indent="0">
+              <a:buNone/>
+              <a:defRPr sz="2000" b="1"/>
+            </a:lvl2pPr>
+            <a:lvl3pPr marL="914400" indent="0">
+              <a:buNone/>
               <a:defRPr sz="1800" b="1"/>
-            </a:lvl1pPr>
-            <a:lvl2pPr marL="342900" indent="0">
-              <a:buNone/>
-              <a:defRPr sz="1500" b="1"/>
-            </a:lvl2pPr>
-            <a:lvl3pPr marL="685800" indent="0">
-              <a:buNone/>
-              <a:defRPr sz="1350" b="1"/>
             </a:lvl3pPr>
-            <a:lvl4pPr marL="1028700" indent="0">
-              <a:buNone/>
-              <a:defRPr sz="1200" b="1"/>
+            <a:lvl4pPr marL="1371600" indent="0">
+              <a:buNone/>
+              <a:defRPr sz="1600" b="1"/>
             </a:lvl4pPr>
-            <a:lvl5pPr marL="1371600" indent="0">
-              <a:buNone/>
-              <a:defRPr sz="1200" b="1"/>
+            <a:lvl5pPr marL="1828800" indent="0">
+              <a:buNone/>
+              <a:defRPr sz="1600" b="1"/>
             </a:lvl5pPr>
-            <a:lvl6pPr marL="1714500" indent="0">
-              <a:buNone/>
-              <a:defRPr sz="1200" b="1"/>
+            <a:lvl6pPr marL="2286000" indent="0">
+              <a:buNone/>
+              <a:defRPr sz="1600" b="1"/>
             </a:lvl6pPr>
-            <a:lvl7pPr marL="2057400" indent="0">
-              <a:buNone/>
-              <a:defRPr sz="1200" b="1"/>
+            <a:lvl7pPr marL="2743200" indent="0">
+              <a:buNone/>
+              <a:defRPr sz="1600" b="1"/>
             </a:lvl7pPr>
-            <a:lvl8pPr marL="2400300" indent="0">
-              <a:buNone/>
-              <a:defRPr sz="1200" b="1"/>
+            <a:lvl8pPr marL="3200400" indent="0">
+              <a:buNone/>
+              <a:defRPr sz="1600" b="1"/>
             </a:lvl8pPr>
-            <a:lvl9pPr marL="2743200" indent="0">
-              <a:buNone/>
-              <a:defRPr sz="1200" b="1"/>
+            <a:lvl9pPr marL="3657600" indent="0">
+              <a:buNone/>
+              <a:defRPr sz="1600" b="1"/>
             </a:lvl9pPr>
           </a:lstStyle>
           <a:p>
@@ -1433,8 +1435,8 @@
         </p:nvSpPr>
         <p:spPr>
           <a:xfrm>
-            <a:off x="472381" y="4453467"/>
-            <a:ext cx="2901255" cy="6550379"/>
+            <a:off x="839788" y="2505075"/>
+            <a:ext cx="5157787" cy="3684588"/>
           </a:xfrm>
         </p:spPr>
         <p:txBody>
@@ -1490,8 +1492,8 @@
         </p:nvSpPr>
         <p:spPr>
           <a:xfrm>
-            <a:off x="3471863" y="2988734"/>
-            <a:ext cx="2915543" cy="1464732"/>
+            <a:off x="6172200" y="1681163"/>
+            <a:ext cx="5183188" cy="823912"/>
           </a:xfrm>
         </p:spPr>
         <p:txBody>
@@ -1499,39 +1501,39 @@
           <a:lstStyle>
             <a:lvl1pPr marL="0" indent="0">
               <a:buNone/>
+              <a:defRPr sz="2400" b="1"/>
+            </a:lvl1pPr>
+            <a:lvl2pPr marL="457200" indent="0">
+              <a:buNone/>
+              <a:defRPr sz="2000" b="1"/>
+            </a:lvl2pPr>
+            <a:lvl3pPr marL="914400" indent="0">
+              <a:buNone/>
               <a:defRPr sz="1800" b="1"/>
-            </a:lvl1pPr>
-            <a:lvl2pPr marL="342900" indent="0">
-              <a:buNone/>
-              <a:defRPr sz="1500" b="1"/>
-            </a:lvl2pPr>
-            <a:lvl3pPr marL="685800" indent="0">
-              <a:buNone/>
-              <a:defRPr sz="1350" b="1"/>
             </a:lvl3pPr>
-            <a:lvl4pPr marL="1028700" indent="0">
-              <a:buNone/>
-              <a:defRPr sz="1200" b="1"/>
+            <a:lvl4pPr marL="1371600" indent="0">
+              <a:buNone/>
+              <a:defRPr sz="1600" b="1"/>
             </a:lvl4pPr>
-            <a:lvl5pPr marL="1371600" indent="0">
-              <a:buNone/>
-              <a:defRPr sz="1200" b="1"/>
+            <a:lvl5pPr marL="1828800" indent="0">
+              <a:buNone/>
+              <a:defRPr sz="1600" b="1"/>
             </a:lvl5pPr>
-            <a:lvl6pPr marL="1714500" indent="0">
-              <a:buNone/>
-              <a:defRPr sz="1200" b="1"/>
+            <a:lvl6pPr marL="2286000" indent="0">
+              <a:buNone/>
+              <a:defRPr sz="1600" b="1"/>
             </a:lvl6pPr>
-            <a:lvl7pPr marL="2057400" indent="0">
-              <a:buNone/>
-              <a:defRPr sz="1200" b="1"/>
+            <a:lvl7pPr marL="2743200" indent="0">
+              <a:buNone/>
+              <a:defRPr sz="1600" b="1"/>
             </a:lvl7pPr>
-            <a:lvl8pPr marL="2400300" indent="0">
-              <a:buNone/>
-              <a:defRPr sz="1200" b="1"/>
+            <a:lvl8pPr marL="3200400" indent="0">
+              <a:buNone/>
+              <a:defRPr sz="1600" b="1"/>
             </a:lvl8pPr>
-            <a:lvl9pPr marL="2743200" indent="0">
-              <a:buNone/>
-              <a:defRPr sz="1200" b="1"/>
+            <a:lvl9pPr marL="3657600" indent="0">
+              <a:buNone/>
+              <a:defRPr sz="1600" b="1"/>
             </a:lvl9pPr>
           </a:lstStyle>
           <a:p>
@@ -1555,8 +1557,8 @@
         </p:nvSpPr>
         <p:spPr>
           <a:xfrm>
-            <a:off x="3471863" y="4453467"/>
-            <a:ext cx="2915543" cy="6550379"/>
+            <a:off x="6172200" y="2505075"/>
+            <a:ext cx="5183188" cy="3684588"/>
           </a:xfrm>
         </p:spPr>
         <p:txBody>
@@ -1617,7 +1619,7 @@
           <a:p>
             <a:fld id="{2EA2911C-3394-1F4D-8873-E7938CAA67D5}" type="datetimeFigureOut">
               <a:rPr lang="en-GB" smtClean="0"/>
-              <a:t>14/04/2022</a:t>
+              <a:t>11/05/2022</a:t>
             </a:fld>
             <a:endParaRPr lang="en-GB"/>
           </a:p>
@@ -1668,7 +1670,7 @@
     </p:spTree>
     <p:extLst>
       <p:ext uri="{BB962C8B-B14F-4D97-AF65-F5344CB8AC3E}">
-        <p14:creationId xmlns:p14="http://schemas.microsoft.com/office/powerpoint/2010/main" val="2747703112"/>
+        <p14:creationId xmlns:p14="http://schemas.microsoft.com/office/powerpoint/2010/main" val="2591009870"/>
       </p:ext>
     </p:extLst>
   </p:cSld>
@@ -1735,7 +1737,7 @@
           <a:p>
             <a:fld id="{2EA2911C-3394-1F4D-8873-E7938CAA67D5}" type="datetimeFigureOut">
               <a:rPr lang="en-GB" smtClean="0"/>
-              <a:t>14/04/2022</a:t>
+              <a:t>11/05/2022</a:t>
             </a:fld>
             <a:endParaRPr lang="en-GB"/>
           </a:p>
@@ -1786,7 +1788,7 @@
     </p:spTree>
     <p:extLst>
       <p:ext uri="{BB962C8B-B14F-4D97-AF65-F5344CB8AC3E}">
-        <p14:creationId xmlns:p14="http://schemas.microsoft.com/office/powerpoint/2010/main" val="3628159468"/>
+        <p14:creationId xmlns:p14="http://schemas.microsoft.com/office/powerpoint/2010/main" val="1692396750"/>
       </p:ext>
     </p:extLst>
   </p:cSld>
@@ -1830,7 +1832,7 @@
           <a:p>
             <a:fld id="{2EA2911C-3394-1F4D-8873-E7938CAA67D5}" type="datetimeFigureOut">
               <a:rPr lang="en-GB" smtClean="0"/>
-              <a:t>14/04/2022</a:t>
+              <a:t>11/05/2022</a:t>
             </a:fld>
             <a:endParaRPr lang="en-GB"/>
           </a:p>
@@ -1881,7 +1883,7 @@
     </p:spTree>
     <p:extLst>
       <p:ext uri="{BB962C8B-B14F-4D97-AF65-F5344CB8AC3E}">
-        <p14:creationId xmlns:p14="http://schemas.microsoft.com/office/powerpoint/2010/main" val="592132800"/>
+        <p14:creationId xmlns:p14="http://schemas.microsoft.com/office/powerpoint/2010/main" val="753106355"/>
       </p:ext>
     </p:extLst>
   </p:cSld>
@@ -1920,15 +1922,15 @@
         </p:nvSpPr>
         <p:spPr>
           <a:xfrm>
-            <a:off x="472381" y="812800"/>
-            <a:ext cx="2211884" cy="2844800"/>
+            <a:off x="839788" y="457200"/>
+            <a:ext cx="3932237" cy="1600200"/>
           </a:xfrm>
         </p:spPr>
         <p:txBody>
           <a:bodyPr anchor="b"/>
           <a:lstStyle>
             <a:lvl1pPr>
-              <a:defRPr sz="2400"/>
+              <a:defRPr sz="3200"/>
             </a:lvl1pPr>
           </a:lstStyle>
           <a:p>
@@ -1952,39 +1954,39 @@
         </p:nvSpPr>
         <p:spPr>
           <a:xfrm>
-            <a:off x="2915543" y="1755425"/>
-            <a:ext cx="3471863" cy="8664222"/>
+            <a:off x="5183188" y="987425"/>
+            <a:ext cx="6172200" cy="4873625"/>
           </a:xfrm>
         </p:spPr>
         <p:txBody>
           <a:bodyPr/>
           <a:lstStyle>
             <a:lvl1pPr>
-              <a:defRPr sz="2400"/>
+              <a:defRPr sz="3200"/>
             </a:lvl1pPr>
             <a:lvl2pPr>
-              <a:defRPr sz="2100"/>
+              <a:defRPr sz="2800"/>
             </a:lvl2pPr>
             <a:lvl3pPr>
-              <a:defRPr sz="1800"/>
+              <a:defRPr sz="2400"/>
             </a:lvl3pPr>
             <a:lvl4pPr>
-              <a:defRPr sz="1500"/>
+              <a:defRPr sz="2000"/>
             </a:lvl4pPr>
             <a:lvl5pPr>
-              <a:defRPr sz="1500"/>
+              <a:defRPr sz="2000"/>
             </a:lvl5pPr>
             <a:lvl6pPr>
-              <a:defRPr sz="1500"/>
+              <a:defRPr sz="2000"/>
             </a:lvl6pPr>
             <a:lvl7pPr>
-              <a:defRPr sz="1500"/>
+              <a:defRPr sz="2000"/>
             </a:lvl7pPr>
             <a:lvl8pPr>
-              <a:defRPr sz="1500"/>
+              <a:defRPr sz="2000"/>
             </a:lvl8pPr>
             <a:lvl9pPr>
-              <a:defRPr sz="1500"/>
+              <a:defRPr sz="2000"/>
             </a:lvl9pPr>
           </a:lstStyle>
           <a:p>
@@ -2037,8 +2039,8 @@
         </p:nvSpPr>
         <p:spPr>
           <a:xfrm>
-            <a:off x="472381" y="3657600"/>
-            <a:ext cx="2211884" cy="6776156"/>
+            <a:off x="839788" y="2057400"/>
+            <a:ext cx="3932237" cy="3811588"/>
           </a:xfrm>
         </p:spPr>
         <p:txBody>
@@ -2046,39 +2048,39 @@
           <a:lstStyle>
             <a:lvl1pPr marL="0" indent="0">
               <a:buNone/>
+              <a:defRPr sz="1600"/>
+            </a:lvl1pPr>
+            <a:lvl2pPr marL="457200" indent="0">
+              <a:buNone/>
+              <a:defRPr sz="1400"/>
+            </a:lvl2pPr>
+            <a:lvl3pPr marL="914400" indent="0">
+              <a:buNone/>
               <a:defRPr sz="1200"/>
-            </a:lvl1pPr>
-            <a:lvl2pPr marL="342900" indent="0">
-              <a:buNone/>
-              <a:defRPr sz="1050"/>
-            </a:lvl2pPr>
-            <a:lvl3pPr marL="685800" indent="0">
-              <a:buNone/>
-              <a:defRPr sz="900"/>
             </a:lvl3pPr>
-            <a:lvl4pPr marL="1028700" indent="0">
-              <a:buNone/>
-              <a:defRPr sz="750"/>
+            <a:lvl4pPr marL="1371600" indent="0">
+              <a:buNone/>
+              <a:defRPr sz="1000"/>
             </a:lvl4pPr>
-            <a:lvl5pPr marL="1371600" indent="0">
-              <a:buNone/>
-              <a:defRPr sz="750"/>
+            <a:lvl5pPr marL="1828800" indent="0">
+              <a:buNone/>
+              <a:defRPr sz="1000"/>
             </a:lvl5pPr>
-            <a:lvl6pPr marL="1714500" indent="0">
-              <a:buNone/>
-              <a:defRPr sz="750"/>
+            <a:lvl6pPr marL="2286000" indent="0">
+              <a:buNone/>
+              <a:defRPr sz="1000"/>
             </a:lvl6pPr>
-            <a:lvl7pPr marL="2057400" indent="0">
-              <a:buNone/>
-              <a:defRPr sz="750"/>
+            <a:lvl7pPr marL="2743200" indent="0">
+              <a:buNone/>
+              <a:defRPr sz="1000"/>
             </a:lvl7pPr>
-            <a:lvl8pPr marL="2400300" indent="0">
-              <a:buNone/>
-              <a:defRPr sz="750"/>
+            <a:lvl8pPr marL="3200400" indent="0">
+              <a:buNone/>
+              <a:defRPr sz="1000"/>
             </a:lvl8pPr>
-            <a:lvl9pPr marL="2743200" indent="0">
-              <a:buNone/>
-              <a:defRPr sz="750"/>
+            <a:lvl9pPr marL="3657600" indent="0">
+              <a:buNone/>
+              <a:defRPr sz="1000"/>
             </a:lvl9pPr>
           </a:lstStyle>
           <a:p>
@@ -2107,7 +2109,7 @@
           <a:p>
             <a:fld id="{2EA2911C-3394-1F4D-8873-E7938CAA67D5}" type="datetimeFigureOut">
               <a:rPr lang="en-GB" smtClean="0"/>
-              <a:t>14/04/2022</a:t>
+              <a:t>11/05/2022</a:t>
             </a:fld>
             <a:endParaRPr lang="en-GB"/>
           </a:p>
@@ -2158,7 +2160,7 @@
     </p:spTree>
     <p:extLst>
       <p:ext uri="{BB962C8B-B14F-4D97-AF65-F5344CB8AC3E}">
-        <p14:creationId xmlns:p14="http://schemas.microsoft.com/office/powerpoint/2010/main" val="2153955726"/>
+        <p14:creationId xmlns:p14="http://schemas.microsoft.com/office/powerpoint/2010/main" val="2191180481"/>
       </p:ext>
     </p:extLst>
   </p:cSld>
@@ -2197,15 +2199,15 @@
         </p:nvSpPr>
         <p:spPr>
           <a:xfrm>
-            <a:off x="472381" y="812800"/>
-            <a:ext cx="2211884" cy="2844800"/>
+            <a:off x="839788" y="457200"/>
+            <a:ext cx="3932237" cy="1600200"/>
           </a:xfrm>
         </p:spPr>
         <p:txBody>
           <a:bodyPr anchor="b"/>
           <a:lstStyle>
             <a:lvl1pPr>
-              <a:defRPr sz="2400"/>
+              <a:defRPr sz="3200"/>
             </a:lvl1pPr>
           </a:lstStyle>
           <a:p>
@@ -2229,8 +2231,8 @@
         </p:nvSpPr>
         <p:spPr>
           <a:xfrm>
-            <a:off x="2915543" y="1755425"/>
-            <a:ext cx="3471863" cy="8664222"/>
+            <a:off x="5183188" y="987425"/>
+            <a:ext cx="6172200" cy="4873625"/>
           </a:xfrm>
         </p:spPr>
         <p:txBody>
@@ -2238,39 +2240,39 @@
           <a:lstStyle>
             <a:lvl1pPr marL="0" indent="0">
               <a:buNone/>
+              <a:defRPr sz="3200"/>
+            </a:lvl1pPr>
+            <a:lvl2pPr marL="457200" indent="0">
+              <a:buNone/>
+              <a:defRPr sz="2800"/>
+            </a:lvl2pPr>
+            <a:lvl3pPr marL="914400" indent="0">
+              <a:buNone/>
               <a:defRPr sz="2400"/>
-            </a:lvl1pPr>
-            <a:lvl2pPr marL="342900" indent="0">
-              <a:buNone/>
-              <a:defRPr sz="2100"/>
-            </a:lvl2pPr>
-            <a:lvl3pPr marL="685800" indent="0">
-              <a:buNone/>
-              <a:defRPr sz="1800"/>
             </a:lvl3pPr>
-            <a:lvl4pPr marL="1028700" indent="0">
-              <a:buNone/>
-              <a:defRPr sz="1500"/>
+            <a:lvl4pPr marL="1371600" indent="0">
+              <a:buNone/>
+              <a:defRPr sz="2000"/>
             </a:lvl4pPr>
-            <a:lvl5pPr marL="1371600" indent="0">
-              <a:buNone/>
-              <a:defRPr sz="1500"/>
+            <a:lvl5pPr marL="1828800" indent="0">
+              <a:buNone/>
+              <a:defRPr sz="2000"/>
             </a:lvl5pPr>
-            <a:lvl6pPr marL="1714500" indent="0">
-              <a:buNone/>
-              <a:defRPr sz="1500"/>
+            <a:lvl6pPr marL="2286000" indent="0">
+              <a:buNone/>
+              <a:defRPr sz="2000"/>
             </a:lvl6pPr>
-            <a:lvl7pPr marL="2057400" indent="0">
-              <a:buNone/>
-              <a:defRPr sz="1500"/>
+            <a:lvl7pPr marL="2743200" indent="0">
+              <a:buNone/>
+              <a:defRPr sz="2000"/>
             </a:lvl7pPr>
-            <a:lvl8pPr marL="2400300" indent="0">
-              <a:buNone/>
-              <a:defRPr sz="1500"/>
+            <a:lvl8pPr marL="3200400" indent="0">
+              <a:buNone/>
+              <a:defRPr sz="2000"/>
             </a:lvl8pPr>
-            <a:lvl9pPr marL="2743200" indent="0">
-              <a:buNone/>
-              <a:defRPr sz="1500"/>
+            <a:lvl9pPr marL="3657600" indent="0">
+              <a:buNone/>
+              <a:defRPr sz="2000"/>
             </a:lvl9pPr>
           </a:lstStyle>
           <a:p>
@@ -2294,8 +2296,8 @@
         </p:nvSpPr>
         <p:spPr>
           <a:xfrm>
-            <a:off x="472381" y="3657600"/>
-            <a:ext cx="2211884" cy="6776156"/>
+            <a:off x="839788" y="2057400"/>
+            <a:ext cx="3932237" cy="3811588"/>
           </a:xfrm>
         </p:spPr>
         <p:txBody>
@@ -2303,39 +2305,39 @@
           <a:lstStyle>
             <a:lvl1pPr marL="0" indent="0">
               <a:buNone/>
+              <a:defRPr sz="1600"/>
+            </a:lvl1pPr>
+            <a:lvl2pPr marL="457200" indent="0">
+              <a:buNone/>
+              <a:defRPr sz="1400"/>
+            </a:lvl2pPr>
+            <a:lvl3pPr marL="914400" indent="0">
+              <a:buNone/>
               <a:defRPr sz="1200"/>
-            </a:lvl1pPr>
-            <a:lvl2pPr marL="342900" indent="0">
-              <a:buNone/>
-              <a:defRPr sz="1050"/>
-            </a:lvl2pPr>
-            <a:lvl3pPr marL="685800" indent="0">
-              <a:buNone/>
-              <a:defRPr sz="900"/>
             </a:lvl3pPr>
-            <a:lvl4pPr marL="1028700" indent="0">
-              <a:buNone/>
-              <a:defRPr sz="750"/>
+            <a:lvl4pPr marL="1371600" indent="0">
+              <a:buNone/>
+              <a:defRPr sz="1000"/>
             </a:lvl4pPr>
-            <a:lvl5pPr marL="1371600" indent="0">
-              <a:buNone/>
-              <a:defRPr sz="750"/>
+            <a:lvl5pPr marL="1828800" indent="0">
+              <a:buNone/>
+              <a:defRPr sz="1000"/>
             </a:lvl5pPr>
-            <a:lvl6pPr marL="1714500" indent="0">
-              <a:buNone/>
-              <a:defRPr sz="750"/>
+            <a:lvl6pPr marL="2286000" indent="0">
+              <a:buNone/>
+              <a:defRPr sz="1000"/>
             </a:lvl6pPr>
-            <a:lvl7pPr marL="2057400" indent="0">
-              <a:buNone/>
-              <a:defRPr sz="750"/>
+            <a:lvl7pPr marL="2743200" indent="0">
+              <a:buNone/>
+              <a:defRPr sz="1000"/>
             </a:lvl7pPr>
-            <a:lvl8pPr marL="2400300" indent="0">
-              <a:buNone/>
-              <a:defRPr sz="750"/>
+            <a:lvl8pPr marL="3200400" indent="0">
+              <a:buNone/>
+              <a:defRPr sz="1000"/>
             </a:lvl8pPr>
-            <a:lvl9pPr marL="2743200" indent="0">
-              <a:buNone/>
-              <a:defRPr sz="750"/>
+            <a:lvl9pPr marL="3657600" indent="0">
+              <a:buNone/>
+              <a:defRPr sz="1000"/>
             </a:lvl9pPr>
           </a:lstStyle>
           <a:p>
@@ -2364,7 +2366,7 @@
           <a:p>
             <a:fld id="{2EA2911C-3394-1F4D-8873-E7938CAA67D5}" type="datetimeFigureOut">
               <a:rPr lang="en-GB" smtClean="0"/>
-              <a:t>14/04/2022</a:t>
+              <a:t>11/05/2022</a:t>
             </a:fld>
             <a:endParaRPr lang="en-GB"/>
           </a:p>
@@ -2415,7 +2417,7 @@
     </p:spTree>
     <p:extLst>
       <p:ext uri="{BB962C8B-B14F-4D97-AF65-F5344CB8AC3E}">
-        <p14:creationId xmlns:p14="http://schemas.microsoft.com/office/powerpoint/2010/main" val="974905783"/>
+        <p14:creationId xmlns:p14="http://schemas.microsoft.com/office/powerpoint/2010/main" val="438845386"/>
       </p:ext>
     </p:extLst>
   </p:cSld>
@@ -2459,8 +2461,8 @@
         </p:nvSpPr>
         <p:spPr>
           <a:xfrm>
-            <a:off x="471488" y="649114"/>
-            <a:ext cx="5915025" cy="2356556"/>
+            <a:off x="838200" y="365125"/>
+            <a:ext cx="10515600" cy="1325563"/>
           </a:xfrm>
           <a:prstGeom prst="rect">
             <a:avLst/>
@@ -2492,8 +2494,8 @@
         </p:nvSpPr>
         <p:spPr>
           <a:xfrm>
-            <a:off x="471488" y="3245556"/>
-            <a:ext cx="5915025" cy="7735712"/>
+            <a:off x="838200" y="1825625"/>
+            <a:ext cx="10515600" cy="4351338"/>
           </a:xfrm>
           <a:prstGeom prst="rect">
             <a:avLst/>
@@ -2554,8 +2556,8 @@
         </p:nvSpPr>
         <p:spPr>
           <a:xfrm>
-            <a:off x="471488" y="11300181"/>
-            <a:ext cx="1543050" cy="649111"/>
+            <a:off x="838200" y="6356350"/>
+            <a:ext cx="2743200" cy="365125"/>
           </a:xfrm>
           <a:prstGeom prst="rect">
             <a:avLst/>
@@ -2565,7 +2567,7 @@
           <a:bodyPr vert="horz" lIns="91440" tIns="45720" rIns="91440" bIns="45720" rtlCol="0" anchor="ctr"/>
           <a:lstStyle>
             <a:lvl1pPr algn="l">
-              <a:defRPr sz="900">
+              <a:defRPr sz="1200">
                 <a:solidFill>
                   <a:schemeClr val="tx1">
                     <a:tint val="75000"/>
@@ -2577,7 +2579,7 @@
           <a:p>
             <a:fld id="{2EA2911C-3394-1F4D-8873-E7938CAA67D5}" type="datetimeFigureOut">
               <a:rPr lang="en-GB" smtClean="0"/>
-              <a:t>14/04/2022</a:t>
+              <a:t>11/05/2022</a:t>
             </a:fld>
             <a:endParaRPr lang="en-GB"/>
           </a:p>
@@ -2595,8 +2597,8 @@
         </p:nvSpPr>
         <p:spPr>
           <a:xfrm>
-            <a:off x="2271713" y="11300181"/>
-            <a:ext cx="2314575" cy="649111"/>
+            <a:off x="4038600" y="6356350"/>
+            <a:ext cx="4114800" cy="365125"/>
           </a:xfrm>
           <a:prstGeom prst="rect">
             <a:avLst/>
@@ -2606,7 +2608,7 @@
           <a:bodyPr vert="horz" lIns="91440" tIns="45720" rIns="91440" bIns="45720" rtlCol="0" anchor="ctr"/>
           <a:lstStyle>
             <a:lvl1pPr algn="ctr">
-              <a:defRPr sz="900">
+              <a:defRPr sz="1200">
                 <a:solidFill>
                   <a:schemeClr val="tx1">
                     <a:tint val="75000"/>
@@ -2632,8 +2634,8 @@
         </p:nvSpPr>
         <p:spPr>
           <a:xfrm>
-            <a:off x="4843463" y="11300181"/>
-            <a:ext cx="1543050" cy="649111"/>
+            <a:off x="8610600" y="6356350"/>
+            <a:ext cx="2743200" cy="365125"/>
           </a:xfrm>
           <a:prstGeom prst="rect">
             <a:avLst/>
@@ -2643,7 +2645,7 @@
           <a:bodyPr vert="horz" lIns="91440" tIns="45720" rIns="91440" bIns="45720" rtlCol="0" anchor="ctr"/>
           <a:lstStyle>
             <a:lvl1pPr algn="r">
-              <a:defRPr sz="900">
+              <a:defRPr sz="1200">
                 <a:solidFill>
                   <a:schemeClr val="tx1">
                     <a:tint val="75000"/>
@@ -2664,27 +2666,27 @@
     </p:spTree>
     <p:extLst>
       <p:ext uri="{BB962C8B-B14F-4D97-AF65-F5344CB8AC3E}">
-        <p14:creationId xmlns:p14="http://schemas.microsoft.com/office/powerpoint/2010/main" val="519501786"/>
+        <p14:creationId xmlns:p14="http://schemas.microsoft.com/office/powerpoint/2010/main" val="1026755062"/>
       </p:ext>
     </p:extLst>
   </p:cSld>
   <p:clrMap bg1="lt1" tx1="dk1" bg2="lt2" tx2="dk2" accent1="accent1" accent2="accent2" accent3="accent3" accent4="accent4" accent5="accent5" accent6="accent6" hlink="hlink" folHlink="folHlink"/>
   <p:sldLayoutIdLst>
-    <p:sldLayoutId id="2147483661" r:id="rId1"/>
-    <p:sldLayoutId id="2147483662" r:id="rId2"/>
-    <p:sldLayoutId id="2147483663" r:id="rId3"/>
-    <p:sldLayoutId id="2147483664" r:id="rId4"/>
-    <p:sldLayoutId id="2147483665" r:id="rId5"/>
-    <p:sldLayoutId id="2147483666" r:id="rId6"/>
-    <p:sldLayoutId id="2147483667" r:id="rId7"/>
-    <p:sldLayoutId id="2147483668" r:id="rId8"/>
-    <p:sldLayoutId id="2147483669" r:id="rId9"/>
-    <p:sldLayoutId id="2147483670" r:id="rId10"/>
-    <p:sldLayoutId id="2147483671" r:id="rId11"/>
+    <p:sldLayoutId id="2147483673" r:id="rId1"/>
+    <p:sldLayoutId id="2147483674" r:id="rId2"/>
+    <p:sldLayoutId id="2147483675" r:id="rId3"/>
+    <p:sldLayoutId id="2147483676" r:id="rId4"/>
+    <p:sldLayoutId id="2147483677" r:id="rId5"/>
+    <p:sldLayoutId id="2147483678" r:id="rId6"/>
+    <p:sldLayoutId id="2147483679" r:id="rId7"/>
+    <p:sldLayoutId id="2147483680" r:id="rId8"/>
+    <p:sldLayoutId id="2147483681" r:id="rId9"/>
+    <p:sldLayoutId id="2147483682" r:id="rId10"/>
+    <p:sldLayoutId id="2147483683" r:id="rId11"/>
   </p:sldLayoutIdLst>
   <p:txStyles>
     <p:titleStyle>
-      <a:lvl1pPr algn="l" defTabSz="685800" rtl="0" eaLnBrk="1" latinLnBrk="0" hangingPunct="1">
+      <a:lvl1pPr algn="l" defTabSz="914400" rtl="0" eaLnBrk="1" latinLnBrk="0" hangingPunct="1">
         <a:lnSpc>
           <a:spcPct val="90000"/>
         </a:lnSpc>
@@ -2692,7 +2694,7 @@
           <a:spcPct val="0"/>
         </a:spcBef>
         <a:buNone/>
-        <a:defRPr sz="3300" kern="1200">
+        <a:defRPr sz="4400" kern="1200">
           <a:solidFill>
             <a:schemeClr val="tx1"/>
           </a:solidFill>
@@ -2703,16 +2705,16 @@
       </a:lvl1pPr>
     </p:titleStyle>
     <p:bodyStyle>
-      <a:lvl1pPr marL="171450" indent="-171450" algn="l" defTabSz="685800" rtl="0" eaLnBrk="1" latinLnBrk="0" hangingPunct="1">
+      <a:lvl1pPr marL="228600" indent="-228600" algn="l" defTabSz="914400" rtl="0" eaLnBrk="1" latinLnBrk="0" hangingPunct="1">
         <a:lnSpc>
           <a:spcPct val="90000"/>
         </a:lnSpc>
         <a:spcBef>
-          <a:spcPts val="750"/>
+          <a:spcPts val="1000"/>
         </a:spcBef>
         <a:buFont typeface="Arial" panose="020B0604020202020204" pitchFamily="34" charset="0"/>
         <a:buChar char="•"/>
-        <a:defRPr sz="2100" kern="1200">
+        <a:defRPr sz="2800" kern="1200">
           <a:solidFill>
             <a:schemeClr val="tx1"/>
           </a:solidFill>
@@ -2721,12 +2723,48 @@
           <a:cs typeface="+mn-cs"/>
         </a:defRPr>
       </a:lvl1pPr>
-      <a:lvl2pPr marL="514350" indent="-171450" algn="l" defTabSz="685800" rtl="0" eaLnBrk="1" latinLnBrk="0" hangingPunct="1">
+      <a:lvl2pPr marL="685800" indent="-228600" algn="l" defTabSz="914400" rtl="0" eaLnBrk="1" latinLnBrk="0" hangingPunct="1">
         <a:lnSpc>
           <a:spcPct val="90000"/>
         </a:lnSpc>
         <a:spcBef>
-          <a:spcPts val="375"/>
+          <a:spcPts val="500"/>
+        </a:spcBef>
+        <a:buFont typeface="Arial" panose="020B0604020202020204" pitchFamily="34" charset="0"/>
+        <a:buChar char="•"/>
+        <a:defRPr sz="2400" kern="1200">
+          <a:solidFill>
+            <a:schemeClr val="tx1"/>
+          </a:solidFill>
+          <a:latin typeface="+mn-lt"/>
+          <a:ea typeface="+mn-ea"/>
+          <a:cs typeface="+mn-cs"/>
+        </a:defRPr>
+      </a:lvl2pPr>
+      <a:lvl3pPr marL="1143000" indent="-228600" algn="l" defTabSz="914400" rtl="0" eaLnBrk="1" latinLnBrk="0" hangingPunct="1">
+        <a:lnSpc>
+          <a:spcPct val="90000"/>
+        </a:lnSpc>
+        <a:spcBef>
+          <a:spcPts val="500"/>
+        </a:spcBef>
+        <a:buFont typeface="Arial" panose="020B0604020202020204" pitchFamily="34" charset="0"/>
+        <a:buChar char="•"/>
+        <a:defRPr sz="2000" kern="1200">
+          <a:solidFill>
+            <a:schemeClr val="tx1"/>
+          </a:solidFill>
+          <a:latin typeface="+mn-lt"/>
+          <a:ea typeface="+mn-ea"/>
+          <a:cs typeface="+mn-cs"/>
+        </a:defRPr>
+      </a:lvl3pPr>
+      <a:lvl4pPr marL="1600200" indent="-228600" algn="l" defTabSz="914400" rtl="0" eaLnBrk="1" latinLnBrk="0" hangingPunct="1">
+        <a:lnSpc>
+          <a:spcPct val="90000"/>
+        </a:lnSpc>
+        <a:spcBef>
+          <a:spcPts val="500"/>
         </a:spcBef>
         <a:buFont typeface="Arial" panose="020B0604020202020204" pitchFamily="34" charset="0"/>
         <a:buChar char="•"/>
@@ -2738,53 +2776,17 @@
           <a:ea typeface="+mn-ea"/>
           <a:cs typeface="+mn-cs"/>
         </a:defRPr>
-      </a:lvl2pPr>
-      <a:lvl3pPr marL="857250" indent="-171450" algn="l" defTabSz="685800" rtl="0" eaLnBrk="1" latinLnBrk="0" hangingPunct="1">
+      </a:lvl4pPr>
+      <a:lvl5pPr marL="2057400" indent="-228600" algn="l" defTabSz="914400" rtl="0" eaLnBrk="1" latinLnBrk="0" hangingPunct="1">
         <a:lnSpc>
           <a:spcPct val="90000"/>
         </a:lnSpc>
         <a:spcBef>
-          <a:spcPts val="375"/>
+          <a:spcPts val="500"/>
         </a:spcBef>
         <a:buFont typeface="Arial" panose="020B0604020202020204" pitchFamily="34" charset="0"/>
         <a:buChar char="•"/>
-        <a:defRPr sz="1500" kern="1200">
-          <a:solidFill>
-            <a:schemeClr val="tx1"/>
-          </a:solidFill>
-          <a:latin typeface="+mn-lt"/>
-          <a:ea typeface="+mn-ea"/>
-          <a:cs typeface="+mn-cs"/>
-        </a:defRPr>
-      </a:lvl3pPr>
-      <a:lvl4pPr marL="1200150" indent="-171450" algn="l" defTabSz="685800" rtl="0" eaLnBrk="1" latinLnBrk="0" hangingPunct="1">
-        <a:lnSpc>
-          <a:spcPct val="90000"/>
-        </a:lnSpc>
-        <a:spcBef>
-          <a:spcPts val="375"/>
-        </a:spcBef>
-        <a:buFont typeface="Arial" panose="020B0604020202020204" pitchFamily="34" charset="0"/>
-        <a:buChar char="•"/>
-        <a:defRPr sz="1350" kern="1200">
-          <a:solidFill>
-            <a:schemeClr val="tx1"/>
-          </a:solidFill>
-          <a:latin typeface="+mn-lt"/>
-          <a:ea typeface="+mn-ea"/>
-          <a:cs typeface="+mn-cs"/>
-        </a:defRPr>
-      </a:lvl4pPr>
-      <a:lvl5pPr marL="1543050" indent="-171450" algn="l" defTabSz="685800" rtl="0" eaLnBrk="1" latinLnBrk="0" hangingPunct="1">
-        <a:lnSpc>
-          <a:spcPct val="90000"/>
-        </a:lnSpc>
-        <a:spcBef>
-          <a:spcPts val="375"/>
-        </a:spcBef>
-        <a:buFont typeface="Arial" panose="020B0604020202020204" pitchFamily="34" charset="0"/>
-        <a:buChar char="•"/>
-        <a:defRPr sz="1350" kern="1200">
+        <a:defRPr sz="1800" kern="1200">
           <a:solidFill>
             <a:schemeClr val="tx1"/>
           </a:solidFill>
@@ -2793,16 +2795,16 @@
           <a:cs typeface="+mn-cs"/>
         </a:defRPr>
       </a:lvl5pPr>
-      <a:lvl6pPr marL="1885950" indent="-171450" algn="l" defTabSz="685800" rtl="0" eaLnBrk="1" latinLnBrk="0" hangingPunct="1">
+      <a:lvl6pPr marL="2514600" indent="-228600" algn="l" defTabSz="914400" rtl="0" eaLnBrk="1" latinLnBrk="0" hangingPunct="1">
         <a:lnSpc>
           <a:spcPct val="90000"/>
         </a:lnSpc>
         <a:spcBef>
-          <a:spcPts val="375"/>
+          <a:spcPts val="500"/>
         </a:spcBef>
         <a:buFont typeface="Arial" panose="020B0604020202020204" pitchFamily="34" charset="0"/>
         <a:buChar char="•"/>
-        <a:defRPr sz="1350" kern="1200">
+        <a:defRPr sz="1800" kern="1200">
           <a:solidFill>
             <a:schemeClr val="tx1"/>
           </a:solidFill>
@@ -2811,16 +2813,16 @@
           <a:cs typeface="+mn-cs"/>
         </a:defRPr>
       </a:lvl6pPr>
-      <a:lvl7pPr marL="2228850" indent="-171450" algn="l" defTabSz="685800" rtl="0" eaLnBrk="1" latinLnBrk="0" hangingPunct="1">
+      <a:lvl7pPr marL="2971800" indent="-228600" algn="l" defTabSz="914400" rtl="0" eaLnBrk="1" latinLnBrk="0" hangingPunct="1">
         <a:lnSpc>
           <a:spcPct val="90000"/>
         </a:lnSpc>
         <a:spcBef>
-          <a:spcPts val="375"/>
+          <a:spcPts val="500"/>
         </a:spcBef>
         <a:buFont typeface="Arial" panose="020B0604020202020204" pitchFamily="34" charset="0"/>
         <a:buChar char="•"/>
-        <a:defRPr sz="1350" kern="1200">
+        <a:defRPr sz="1800" kern="1200">
           <a:solidFill>
             <a:schemeClr val="tx1"/>
           </a:solidFill>
@@ -2829,16 +2831,16 @@
           <a:cs typeface="+mn-cs"/>
         </a:defRPr>
       </a:lvl7pPr>
-      <a:lvl8pPr marL="2571750" indent="-171450" algn="l" defTabSz="685800" rtl="0" eaLnBrk="1" latinLnBrk="0" hangingPunct="1">
+      <a:lvl8pPr marL="3429000" indent="-228600" algn="l" defTabSz="914400" rtl="0" eaLnBrk="1" latinLnBrk="0" hangingPunct="1">
         <a:lnSpc>
           <a:spcPct val="90000"/>
         </a:lnSpc>
         <a:spcBef>
-          <a:spcPts val="375"/>
+          <a:spcPts val="500"/>
         </a:spcBef>
         <a:buFont typeface="Arial" panose="020B0604020202020204" pitchFamily="34" charset="0"/>
         <a:buChar char="•"/>
-        <a:defRPr sz="1350" kern="1200">
+        <a:defRPr sz="1800" kern="1200">
           <a:solidFill>
             <a:schemeClr val="tx1"/>
           </a:solidFill>
@@ -2847,16 +2849,16 @@
           <a:cs typeface="+mn-cs"/>
         </a:defRPr>
       </a:lvl8pPr>
-      <a:lvl9pPr marL="2914650" indent="-171450" algn="l" defTabSz="685800" rtl="0" eaLnBrk="1" latinLnBrk="0" hangingPunct="1">
+      <a:lvl9pPr marL="3886200" indent="-228600" algn="l" defTabSz="914400" rtl="0" eaLnBrk="1" latinLnBrk="0" hangingPunct="1">
         <a:lnSpc>
           <a:spcPct val="90000"/>
         </a:lnSpc>
         <a:spcBef>
-          <a:spcPts val="375"/>
+          <a:spcPts val="500"/>
         </a:spcBef>
         <a:buFont typeface="Arial" panose="020B0604020202020204" pitchFamily="34" charset="0"/>
         <a:buChar char="•"/>
-        <a:defRPr sz="1350" kern="1200">
+        <a:defRPr sz="1800" kern="1200">
           <a:solidFill>
             <a:schemeClr val="tx1"/>
           </a:solidFill>
@@ -2870,8 +2872,8 @@
       <a:defPPr>
         <a:defRPr lang="en-US"/>
       </a:defPPr>
-      <a:lvl1pPr marL="0" algn="l" defTabSz="685800" rtl="0" eaLnBrk="1" latinLnBrk="0" hangingPunct="1">
-        <a:defRPr sz="1350" kern="1200">
+      <a:lvl1pPr marL="0" algn="l" defTabSz="914400" rtl="0" eaLnBrk="1" latinLnBrk="0" hangingPunct="1">
+        <a:defRPr sz="1800" kern="1200">
           <a:solidFill>
             <a:schemeClr val="tx1"/>
           </a:solidFill>
@@ -2880,8 +2882,8 @@
           <a:cs typeface="+mn-cs"/>
         </a:defRPr>
       </a:lvl1pPr>
-      <a:lvl2pPr marL="342900" algn="l" defTabSz="685800" rtl="0" eaLnBrk="1" latinLnBrk="0" hangingPunct="1">
-        <a:defRPr sz="1350" kern="1200">
+      <a:lvl2pPr marL="457200" algn="l" defTabSz="914400" rtl="0" eaLnBrk="1" latinLnBrk="0" hangingPunct="1">
+        <a:defRPr sz="1800" kern="1200">
           <a:solidFill>
             <a:schemeClr val="tx1"/>
           </a:solidFill>
@@ -2890,8 +2892,8 @@
           <a:cs typeface="+mn-cs"/>
         </a:defRPr>
       </a:lvl2pPr>
-      <a:lvl3pPr marL="685800" algn="l" defTabSz="685800" rtl="0" eaLnBrk="1" latinLnBrk="0" hangingPunct="1">
-        <a:defRPr sz="1350" kern="1200">
+      <a:lvl3pPr marL="914400" algn="l" defTabSz="914400" rtl="0" eaLnBrk="1" latinLnBrk="0" hangingPunct="1">
+        <a:defRPr sz="1800" kern="1200">
           <a:solidFill>
             <a:schemeClr val="tx1"/>
           </a:solidFill>
@@ -2900,8 +2902,8 @@
           <a:cs typeface="+mn-cs"/>
         </a:defRPr>
       </a:lvl3pPr>
-      <a:lvl4pPr marL="1028700" algn="l" defTabSz="685800" rtl="0" eaLnBrk="1" latinLnBrk="0" hangingPunct="1">
-        <a:defRPr sz="1350" kern="1200">
+      <a:lvl4pPr marL="1371600" algn="l" defTabSz="914400" rtl="0" eaLnBrk="1" latinLnBrk="0" hangingPunct="1">
+        <a:defRPr sz="1800" kern="1200">
           <a:solidFill>
             <a:schemeClr val="tx1"/>
           </a:solidFill>
@@ -2910,8 +2912,8 @@
           <a:cs typeface="+mn-cs"/>
         </a:defRPr>
       </a:lvl4pPr>
-      <a:lvl5pPr marL="1371600" algn="l" defTabSz="685800" rtl="0" eaLnBrk="1" latinLnBrk="0" hangingPunct="1">
-        <a:defRPr sz="1350" kern="1200">
+      <a:lvl5pPr marL="1828800" algn="l" defTabSz="914400" rtl="0" eaLnBrk="1" latinLnBrk="0" hangingPunct="1">
+        <a:defRPr sz="1800" kern="1200">
           <a:solidFill>
             <a:schemeClr val="tx1"/>
           </a:solidFill>
@@ -2920,8 +2922,8 @@
           <a:cs typeface="+mn-cs"/>
         </a:defRPr>
       </a:lvl5pPr>
-      <a:lvl6pPr marL="1714500" algn="l" defTabSz="685800" rtl="0" eaLnBrk="1" latinLnBrk="0" hangingPunct="1">
-        <a:defRPr sz="1350" kern="1200">
+      <a:lvl6pPr marL="2286000" algn="l" defTabSz="914400" rtl="0" eaLnBrk="1" latinLnBrk="0" hangingPunct="1">
+        <a:defRPr sz="1800" kern="1200">
           <a:solidFill>
             <a:schemeClr val="tx1"/>
           </a:solidFill>
@@ -2930,8 +2932,8 @@
           <a:cs typeface="+mn-cs"/>
         </a:defRPr>
       </a:lvl6pPr>
-      <a:lvl7pPr marL="2057400" algn="l" defTabSz="685800" rtl="0" eaLnBrk="1" latinLnBrk="0" hangingPunct="1">
-        <a:defRPr sz="1350" kern="1200">
+      <a:lvl7pPr marL="2743200" algn="l" defTabSz="914400" rtl="0" eaLnBrk="1" latinLnBrk="0" hangingPunct="1">
+        <a:defRPr sz="1800" kern="1200">
           <a:solidFill>
             <a:schemeClr val="tx1"/>
           </a:solidFill>
@@ -2940,8 +2942,8 @@
           <a:cs typeface="+mn-cs"/>
         </a:defRPr>
       </a:lvl7pPr>
-      <a:lvl8pPr marL="2400300" algn="l" defTabSz="685800" rtl="0" eaLnBrk="1" latinLnBrk="0" hangingPunct="1">
-        <a:defRPr sz="1350" kern="1200">
+      <a:lvl8pPr marL="3200400" algn="l" defTabSz="914400" rtl="0" eaLnBrk="1" latinLnBrk="0" hangingPunct="1">
+        <a:defRPr sz="1800" kern="1200">
           <a:solidFill>
             <a:schemeClr val="tx1"/>
           </a:solidFill>
@@ -2950,8 +2952,8 @@
           <a:cs typeface="+mn-cs"/>
         </a:defRPr>
       </a:lvl8pPr>
-      <a:lvl9pPr marL="2743200" algn="l" defTabSz="685800" rtl="0" eaLnBrk="1" latinLnBrk="0" hangingPunct="1">
-        <a:defRPr sz="1350" kern="1200">
+      <a:lvl9pPr marL="3657600" algn="l" defTabSz="914400" rtl="0" eaLnBrk="1" latinLnBrk="0" hangingPunct="1">
+        <a:defRPr sz="1800" kern="1200">
           <a:solidFill>
             <a:schemeClr val="tx1"/>
           </a:solidFill>
@@ -2984,10 +2986,10 @@
       </p:grpSpPr>
       <p:pic>
         <p:nvPicPr>
-          <p:cNvPr id="3" name="Picture 2" descr="Chart&#10;&#10;Description automatically generated">
+          <p:cNvPr id="4" name="Picture 3">
             <a:extLst>
               <a:ext uri="{FF2B5EF4-FFF2-40B4-BE49-F238E27FC236}">
-                <a16:creationId xmlns:a16="http://schemas.microsoft.com/office/drawing/2014/main" id="{873C2BA4-557C-AC4E-8D2C-28DE700CC35F}"/>
+                <a16:creationId xmlns:a16="http://schemas.microsoft.com/office/drawing/2014/main" id="{3890232F-BC3A-77CA-E1B6-57EFB392190F}"/>
               </a:ext>
             </a:extLst>
           </p:cNvPr>
@@ -2998,130 +3000,19 @@
         </p:nvPicPr>
         <p:blipFill rotWithShape="1">
           <a:blip r:embed="rId2"/>
-          <a:srcRect l="3977" t="4855" r="4093" b="5789"/>
+          <a:srcRect l="4286" t="4446" r="5080" b="6349"/>
           <a:stretch/>
         </p:blipFill>
         <p:spPr>
           <a:xfrm>
-            <a:off x="3340484" y="6838279"/>
-            <a:ext cx="3517516" cy="3419061"/>
+            <a:off x="2991481" y="88"/>
+            <a:ext cx="2977040" cy="2930116"/>
           </a:xfrm>
           <a:prstGeom prst="rect">
             <a:avLst/>
           </a:prstGeom>
         </p:spPr>
       </p:pic>
-      <p:sp>
-        <p:nvSpPr>
-          <p:cNvPr id="10" name="TextBox 9">
-            <a:extLst>
-              <a:ext uri="{FF2B5EF4-FFF2-40B4-BE49-F238E27FC236}">
-                <a16:creationId xmlns:a16="http://schemas.microsoft.com/office/drawing/2014/main" id="{56F70566-F9DF-F74B-AE88-29B0A4C00D55}"/>
-              </a:ext>
-            </a:extLst>
-          </p:cNvPr>
-          <p:cNvSpPr txBox="1"/>
-          <p:nvPr/>
-        </p:nvSpPr>
-        <p:spPr>
-          <a:xfrm>
-            <a:off x="3056782" y="0"/>
-            <a:ext cx="372218" cy="461665"/>
-          </a:xfrm>
-          <a:prstGeom prst="rect">
-            <a:avLst/>
-          </a:prstGeom>
-          <a:noFill/>
-        </p:spPr>
-        <p:txBody>
-          <a:bodyPr wrap="square" rtlCol="0">
-            <a:spAutoFit/>
-          </a:bodyPr>
-          <a:lstStyle/>
-          <a:p>
-            <a:r>
-              <a:rPr lang="en-GB" sz="2400" b="1" dirty="0">
-                <a:latin typeface="Helvetica" pitchFamily="2" charset="0"/>
-              </a:rPr>
-              <a:t>a</a:t>
-            </a:r>
-          </a:p>
-        </p:txBody>
-      </p:sp>
-      <p:sp>
-        <p:nvSpPr>
-          <p:cNvPr id="12" name="TextBox 11">
-            <a:extLst>
-              <a:ext uri="{FF2B5EF4-FFF2-40B4-BE49-F238E27FC236}">
-                <a16:creationId xmlns:a16="http://schemas.microsoft.com/office/drawing/2014/main" id="{63CC509A-7BF5-714E-85F7-356A4E59717D}"/>
-              </a:ext>
-            </a:extLst>
-          </p:cNvPr>
-          <p:cNvSpPr txBox="1"/>
-          <p:nvPr/>
-        </p:nvSpPr>
-        <p:spPr>
-          <a:xfrm>
-            <a:off x="3056782" y="3303443"/>
-            <a:ext cx="372218" cy="461665"/>
-          </a:xfrm>
-          <a:prstGeom prst="rect">
-            <a:avLst/>
-          </a:prstGeom>
-          <a:noFill/>
-        </p:spPr>
-        <p:txBody>
-          <a:bodyPr wrap="square" rtlCol="0">
-            <a:spAutoFit/>
-          </a:bodyPr>
-          <a:lstStyle/>
-          <a:p>
-            <a:r>
-              <a:rPr lang="en-GB" sz="2400" b="1" dirty="0">
-                <a:latin typeface="Helvetica" pitchFamily="2" charset="0"/>
-              </a:rPr>
-              <a:t>b</a:t>
-            </a:r>
-          </a:p>
-        </p:txBody>
-      </p:sp>
-      <p:sp>
-        <p:nvSpPr>
-          <p:cNvPr id="15" name="TextBox 14">
-            <a:extLst>
-              <a:ext uri="{FF2B5EF4-FFF2-40B4-BE49-F238E27FC236}">
-                <a16:creationId xmlns:a16="http://schemas.microsoft.com/office/drawing/2014/main" id="{A61F57D5-8171-6A47-B545-4B6CBDE36CE1}"/>
-              </a:ext>
-            </a:extLst>
-          </p:cNvPr>
-          <p:cNvSpPr txBox="1"/>
-          <p:nvPr/>
-        </p:nvSpPr>
-        <p:spPr>
-          <a:xfrm>
-            <a:off x="3060430" y="6723064"/>
-            <a:ext cx="372218" cy="461665"/>
-          </a:xfrm>
-          <a:prstGeom prst="rect">
-            <a:avLst/>
-          </a:prstGeom>
-          <a:noFill/>
-        </p:spPr>
-        <p:txBody>
-          <a:bodyPr wrap="square" rtlCol="0">
-            <a:spAutoFit/>
-          </a:bodyPr>
-          <a:lstStyle/>
-          <a:p>
-            <a:r>
-              <a:rPr lang="en-GB" sz="2400" b="1" dirty="0">
-                <a:latin typeface="Helvetica" pitchFamily="2" charset="0"/>
-              </a:rPr>
-              <a:t>c</a:t>
-            </a:r>
-          </a:p>
-        </p:txBody>
-      </p:sp>
       <p:pic>
         <p:nvPicPr>
           <p:cNvPr id="6" name="Picture 5">
@@ -3143,8 +3034,8 @@
         </p:blipFill>
         <p:spPr>
           <a:xfrm>
-            <a:off x="3367334" y="0"/>
-            <a:ext cx="3490665" cy="3419061"/>
+            <a:off x="0" y="87"/>
+            <a:ext cx="2991481" cy="2930117"/>
           </a:xfrm>
           <a:prstGeom prst="rect">
             <a:avLst/>
@@ -3153,10 +3044,10 @@
       </p:pic>
       <p:pic>
         <p:nvPicPr>
-          <p:cNvPr id="4" name="Picture 3">
+          <p:cNvPr id="3" name="Picture 2" descr="Chart&#10;&#10;Description automatically generated">
             <a:extLst>
               <a:ext uri="{FF2B5EF4-FFF2-40B4-BE49-F238E27FC236}">
-                <a16:creationId xmlns:a16="http://schemas.microsoft.com/office/drawing/2014/main" id="{3890232F-BC3A-77CA-E1B6-57EFB392190F}"/>
+                <a16:creationId xmlns:a16="http://schemas.microsoft.com/office/drawing/2014/main" id="{873C2BA4-557C-AC4E-8D2C-28DE700CC35F}"/>
               </a:ext>
             </a:extLst>
           </p:cNvPr>
@@ -3167,19 +3058,133 @@
         </p:nvPicPr>
         <p:blipFill rotWithShape="1">
           <a:blip r:embed="rId4"/>
-          <a:srcRect l="4286" t="4446" r="5080" b="6349"/>
+          <a:srcRect l="3977" t="4855" r="4093" b="5789"/>
           <a:stretch/>
         </p:blipFill>
         <p:spPr>
           <a:xfrm>
-            <a:off x="3340484" y="3419218"/>
-            <a:ext cx="3473815" cy="3419061"/>
+            <a:off x="5968521" y="-1"/>
+            <a:ext cx="3014490" cy="2930115"/>
           </a:xfrm>
           <a:prstGeom prst="rect">
             <a:avLst/>
           </a:prstGeom>
         </p:spPr>
       </p:pic>
+      <p:sp>
+        <p:nvSpPr>
+          <p:cNvPr id="10" name="TextBox 9">
+            <a:extLst>
+              <a:ext uri="{FF2B5EF4-FFF2-40B4-BE49-F238E27FC236}">
+                <a16:creationId xmlns:a16="http://schemas.microsoft.com/office/drawing/2014/main" id="{56F70566-F9DF-F74B-AE88-29B0A4C00D55}"/>
+              </a:ext>
+            </a:extLst>
+          </p:cNvPr>
+          <p:cNvSpPr txBox="1"/>
+          <p:nvPr/>
+        </p:nvSpPr>
+        <p:spPr>
+          <a:xfrm>
+            <a:off x="658323" y="2094122"/>
+            <a:ext cx="328745" cy="400110"/>
+          </a:xfrm>
+          <a:prstGeom prst="rect">
+            <a:avLst/>
+          </a:prstGeom>
+          <a:noFill/>
+        </p:spPr>
+        <p:txBody>
+          <a:bodyPr wrap="square" rtlCol="0">
+            <a:spAutoFit/>
+          </a:bodyPr>
+          <a:lstStyle/>
+          <a:p>
+            <a:r>
+              <a:rPr lang="en-GB" sz="2000" b="1" dirty="0">
+                <a:latin typeface="Helvetica" pitchFamily="2" charset="0"/>
+              </a:rPr>
+              <a:t>a</a:t>
+            </a:r>
+          </a:p>
+        </p:txBody>
+      </p:sp>
+      <p:sp>
+        <p:nvSpPr>
+          <p:cNvPr id="12" name="TextBox 11">
+            <a:extLst>
+              <a:ext uri="{FF2B5EF4-FFF2-40B4-BE49-F238E27FC236}">
+                <a16:creationId xmlns:a16="http://schemas.microsoft.com/office/drawing/2014/main" id="{63CC509A-7BF5-714E-85F7-356A4E59717D}"/>
+              </a:ext>
+            </a:extLst>
+          </p:cNvPr>
+          <p:cNvSpPr txBox="1"/>
+          <p:nvPr/>
+        </p:nvSpPr>
+        <p:spPr>
+          <a:xfrm>
+            <a:off x="3649804" y="2151263"/>
+            <a:ext cx="308282" cy="400110"/>
+          </a:xfrm>
+          <a:prstGeom prst="rect">
+            <a:avLst/>
+          </a:prstGeom>
+          <a:noFill/>
+        </p:spPr>
+        <p:txBody>
+          <a:bodyPr wrap="square" rtlCol="0">
+            <a:spAutoFit/>
+          </a:bodyPr>
+          <a:lstStyle/>
+          <a:p>
+            <a:r>
+              <a:rPr lang="en-GB" sz="2000" b="1" dirty="0">
+                <a:latin typeface="Helvetica" pitchFamily="2" charset="0"/>
+              </a:rPr>
+              <a:t>b</a:t>
+            </a:r>
+          </a:p>
+        </p:txBody>
+      </p:sp>
+      <p:sp>
+        <p:nvSpPr>
+          <p:cNvPr id="15" name="TextBox 14">
+            <a:extLst>
+              <a:ext uri="{FF2B5EF4-FFF2-40B4-BE49-F238E27FC236}">
+                <a16:creationId xmlns:a16="http://schemas.microsoft.com/office/drawing/2014/main" id="{A61F57D5-8171-6A47-B545-4B6CBDE36CE1}"/>
+              </a:ext>
+            </a:extLst>
+          </p:cNvPr>
+          <p:cNvSpPr txBox="1"/>
+          <p:nvPr/>
+        </p:nvSpPr>
+        <p:spPr>
+          <a:xfrm>
+            <a:off x="6626844" y="2094122"/>
+            <a:ext cx="330452" cy="400110"/>
+          </a:xfrm>
+          <a:prstGeom prst="rect">
+            <a:avLst/>
+          </a:prstGeom>
+          <a:noFill/>
+        </p:spPr>
+        <p:txBody>
+          <a:bodyPr wrap="square" rtlCol="0">
+            <a:spAutoFit/>
+          </a:bodyPr>
+          <a:lstStyle/>
+          <a:p>
+            <a:r>
+              <a:rPr lang="en-GB" sz="2000" b="1" dirty="0">
+                <a:solidFill>
+                  <a:schemeClr val="bg1"/>
+                </a:solidFill>
+                <a:latin typeface="Helvetica" pitchFamily="2" charset="0"/>
+              </a:rPr>
+              <a:t>c</a:t>
+            </a:r>
+          </a:p>
+        </p:txBody>
+      </p:sp>
     </p:spTree>
     <p:extLst>
       <p:ext uri="{BB962C8B-B14F-4D97-AF65-F5344CB8AC3E}">

--- a/plots/Fig3.pptx
+++ b/plots/Fig3.pptx
@@ -107,7 +107,7 @@
   <p:extLst>
     <p:ext uri="{EFAFB233-063F-42B5-8137-9DF3F51BA10A}">
       <p15:sldGuideLst xmlns:p15="http://schemas.microsoft.com/office/powerpoint/2012/main">
-        <p15:guide id="1" orient="horz" pos="4010" userDrawn="1">
+        <p15:guide id="1" orient="horz" pos="1570" userDrawn="1">
           <p15:clr>
             <a:srgbClr val="A4A3A4"/>
           </p15:clr>
@@ -254,7 +254,7 @@
           <a:p>
             <a:fld id="{2EA2911C-3394-1F4D-8873-E7938CAA67D5}" type="datetimeFigureOut">
               <a:rPr lang="en-GB" smtClean="0"/>
-              <a:t>11/05/2022</a:t>
+              <a:t>18/05/2022</a:t>
             </a:fld>
             <a:endParaRPr lang="en-GB"/>
           </a:p>
@@ -424,7 +424,7 @@
           <a:p>
             <a:fld id="{2EA2911C-3394-1F4D-8873-E7938CAA67D5}" type="datetimeFigureOut">
               <a:rPr lang="en-GB" smtClean="0"/>
-              <a:t>11/05/2022</a:t>
+              <a:t>18/05/2022</a:t>
             </a:fld>
             <a:endParaRPr lang="en-GB"/>
           </a:p>
@@ -604,7 +604,7 @@
           <a:p>
             <a:fld id="{2EA2911C-3394-1F4D-8873-E7938CAA67D5}" type="datetimeFigureOut">
               <a:rPr lang="en-GB" smtClean="0"/>
-              <a:t>11/05/2022</a:t>
+              <a:t>18/05/2022</a:t>
             </a:fld>
             <a:endParaRPr lang="en-GB"/>
           </a:p>
@@ -774,7 +774,7 @@
           <a:p>
             <a:fld id="{2EA2911C-3394-1F4D-8873-E7938CAA67D5}" type="datetimeFigureOut">
               <a:rPr lang="en-GB" smtClean="0"/>
-              <a:t>11/05/2022</a:t>
+              <a:t>18/05/2022</a:t>
             </a:fld>
             <a:endParaRPr lang="en-GB"/>
           </a:p>
@@ -1020,7 +1020,7 @@
           <a:p>
             <a:fld id="{2EA2911C-3394-1F4D-8873-E7938CAA67D5}" type="datetimeFigureOut">
               <a:rPr lang="en-GB" smtClean="0"/>
-              <a:t>11/05/2022</a:t>
+              <a:t>18/05/2022</a:t>
             </a:fld>
             <a:endParaRPr lang="en-GB"/>
           </a:p>
@@ -1252,7 +1252,7 @@
           <a:p>
             <a:fld id="{2EA2911C-3394-1F4D-8873-E7938CAA67D5}" type="datetimeFigureOut">
               <a:rPr lang="en-GB" smtClean="0"/>
-              <a:t>11/05/2022</a:t>
+              <a:t>18/05/2022</a:t>
             </a:fld>
             <a:endParaRPr lang="en-GB"/>
           </a:p>
@@ -1619,7 +1619,7 @@
           <a:p>
             <a:fld id="{2EA2911C-3394-1F4D-8873-E7938CAA67D5}" type="datetimeFigureOut">
               <a:rPr lang="en-GB" smtClean="0"/>
-              <a:t>11/05/2022</a:t>
+              <a:t>18/05/2022</a:t>
             </a:fld>
             <a:endParaRPr lang="en-GB"/>
           </a:p>
@@ -1737,7 +1737,7 @@
           <a:p>
             <a:fld id="{2EA2911C-3394-1F4D-8873-E7938CAA67D5}" type="datetimeFigureOut">
               <a:rPr lang="en-GB" smtClean="0"/>
-              <a:t>11/05/2022</a:t>
+              <a:t>18/05/2022</a:t>
             </a:fld>
             <a:endParaRPr lang="en-GB"/>
           </a:p>
@@ -1832,7 +1832,7 @@
           <a:p>
             <a:fld id="{2EA2911C-3394-1F4D-8873-E7938CAA67D5}" type="datetimeFigureOut">
               <a:rPr lang="en-GB" smtClean="0"/>
-              <a:t>11/05/2022</a:t>
+              <a:t>18/05/2022</a:t>
             </a:fld>
             <a:endParaRPr lang="en-GB"/>
           </a:p>
@@ -2109,7 +2109,7 @@
           <a:p>
             <a:fld id="{2EA2911C-3394-1F4D-8873-E7938CAA67D5}" type="datetimeFigureOut">
               <a:rPr lang="en-GB" smtClean="0"/>
-              <a:t>11/05/2022</a:t>
+              <a:t>18/05/2022</a:t>
             </a:fld>
             <a:endParaRPr lang="en-GB"/>
           </a:p>
@@ -2366,7 +2366,7 @@
           <a:p>
             <a:fld id="{2EA2911C-3394-1F4D-8873-E7938CAA67D5}" type="datetimeFigureOut">
               <a:rPr lang="en-GB" smtClean="0"/>
-              <a:t>11/05/2022</a:t>
+              <a:t>18/05/2022</a:t>
             </a:fld>
             <a:endParaRPr lang="en-GB"/>
           </a:p>
@@ -2579,7 +2579,7 @@
           <a:p>
             <a:fld id="{2EA2911C-3394-1F4D-8873-E7938CAA67D5}" type="datetimeFigureOut">
               <a:rPr lang="en-GB" smtClean="0"/>
-              <a:t>11/05/2022</a:t>
+              <a:t>18/05/2022</a:t>
             </a:fld>
             <a:endParaRPr lang="en-GB"/>
           </a:p>
@@ -3000,13 +3000,42 @@
         </p:nvPicPr>
         <p:blipFill rotWithShape="1">
           <a:blip r:embed="rId2"/>
-          <a:srcRect l="4286" t="4446" r="5080" b="6349"/>
+          <a:srcRect l="4286" t="5734" r="5080" b="6349"/>
           <a:stretch/>
         </p:blipFill>
         <p:spPr>
           <a:xfrm>
-            <a:off x="2991481" y="88"/>
-            <a:ext cx="2977040" cy="2930116"/>
+            <a:off x="2991481" y="21150"/>
+            <a:ext cx="2977040" cy="2887815"/>
+          </a:xfrm>
+          <a:prstGeom prst="rect">
+            <a:avLst/>
+          </a:prstGeom>
+        </p:spPr>
+      </p:pic>
+      <p:pic>
+        <p:nvPicPr>
+          <p:cNvPr id="5" name="Picture 4" descr="Chart&#10;&#10;Description automatically generated with low confidence">
+            <a:extLst>
+              <a:ext uri="{FF2B5EF4-FFF2-40B4-BE49-F238E27FC236}">
+                <a16:creationId xmlns:a16="http://schemas.microsoft.com/office/drawing/2014/main" id="{CADABBB2-370C-7585-2E6B-713F3F5DEEBB}"/>
+              </a:ext>
+            </a:extLst>
+          </p:cNvPr>
+          <p:cNvPicPr>
+            <a:picLocks noChangeAspect="1"/>
+          </p:cNvPicPr>
+          <p:nvPr/>
+        </p:nvPicPr>
+        <p:blipFill rotWithShape="1">
+          <a:blip r:embed="rId3"/>
+          <a:srcRect t="1321"/>
+          <a:stretch/>
+        </p:blipFill>
+        <p:spPr>
+          <a:xfrm>
+            <a:off x="5968521" y="-1"/>
+            <a:ext cx="3009648" cy="2969881"/>
           </a:xfrm>
           <a:prstGeom prst="rect">
             <a:avLst/>
@@ -3028,43 +3057,14 @@
           <p:nvPr/>
         </p:nvPicPr>
         <p:blipFill rotWithShape="1">
-          <a:blip r:embed="rId3"/>
+          <a:blip r:embed="rId4"/>
           <a:srcRect l="4446" t="5088" r="4327" b="5556"/>
           <a:stretch/>
         </p:blipFill>
         <p:spPr>
           <a:xfrm>
-            <a:off x="0" y="87"/>
+            <a:off x="0" y="0"/>
             <a:ext cx="2991481" cy="2930117"/>
-          </a:xfrm>
-          <a:prstGeom prst="rect">
-            <a:avLst/>
-          </a:prstGeom>
-        </p:spPr>
-      </p:pic>
-      <p:pic>
-        <p:nvPicPr>
-          <p:cNvPr id="3" name="Picture 2" descr="Chart&#10;&#10;Description automatically generated">
-            <a:extLst>
-              <a:ext uri="{FF2B5EF4-FFF2-40B4-BE49-F238E27FC236}">
-                <a16:creationId xmlns:a16="http://schemas.microsoft.com/office/drawing/2014/main" id="{873C2BA4-557C-AC4E-8D2C-28DE700CC35F}"/>
-              </a:ext>
-            </a:extLst>
-          </p:cNvPr>
-          <p:cNvPicPr>
-            <a:picLocks noChangeAspect="1"/>
-          </p:cNvPicPr>
-          <p:nvPr/>
-        </p:nvPicPr>
-        <p:blipFill rotWithShape="1">
-          <a:blip r:embed="rId4"/>
-          <a:srcRect l="3977" t="4855" r="4093" b="5789"/>
-          <a:stretch/>
-        </p:blipFill>
-        <p:spPr>
-          <a:xfrm>
-            <a:off x="5968521" y="-1"/>
-            <a:ext cx="3014490" cy="2930115"/>
           </a:xfrm>
           <a:prstGeom prst="rect">
             <a:avLst/>

--- a/plots/Fig3.pptx
+++ b/plots/Fig3.pptx
@@ -254,7 +254,7 @@
           <a:p>
             <a:fld id="{2EA2911C-3394-1F4D-8873-E7938CAA67D5}" type="datetimeFigureOut">
               <a:rPr lang="en-GB" smtClean="0"/>
-              <a:t>18/05/2022</a:t>
+              <a:t>14/12/2022</a:t>
             </a:fld>
             <a:endParaRPr lang="en-GB"/>
           </a:p>
@@ -424,7 +424,7 @@
           <a:p>
             <a:fld id="{2EA2911C-3394-1F4D-8873-E7938CAA67D5}" type="datetimeFigureOut">
               <a:rPr lang="en-GB" smtClean="0"/>
-              <a:t>18/05/2022</a:t>
+              <a:t>14/12/2022</a:t>
             </a:fld>
             <a:endParaRPr lang="en-GB"/>
           </a:p>
@@ -604,7 +604,7 @@
           <a:p>
             <a:fld id="{2EA2911C-3394-1F4D-8873-E7938CAA67D5}" type="datetimeFigureOut">
               <a:rPr lang="en-GB" smtClean="0"/>
-              <a:t>18/05/2022</a:t>
+              <a:t>14/12/2022</a:t>
             </a:fld>
             <a:endParaRPr lang="en-GB"/>
           </a:p>
@@ -774,7 +774,7 @@
           <a:p>
             <a:fld id="{2EA2911C-3394-1F4D-8873-E7938CAA67D5}" type="datetimeFigureOut">
               <a:rPr lang="en-GB" smtClean="0"/>
-              <a:t>18/05/2022</a:t>
+              <a:t>14/12/2022</a:t>
             </a:fld>
             <a:endParaRPr lang="en-GB"/>
           </a:p>
@@ -1020,7 +1020,7 @@
           <a:p>
             <a:fld id="{2EA2911C-3394-1F4D-8873-E7938CAA67D5}" type="datetimeFigureOut">
               <a:rPr lang="en-GB" smtClean="0"/>
-              <a:t>18/05/2022</a:t>
+              <a:t>14/12/2022</a:t>
             </a:fld>
             <a:endParaRPr lang="en-GB"/>
           </a:p>
@@ -1252,7 +1252,7 @@
           <a:p>
             <a:fld id="{2EA2911C-3394-1F4D-8873-E7938CAA67D5}" type="datetimeFigureOut">
               <a:rPr lang="en-GB" smtClean="0"/>
-              <a:t>18/05/2022</a:t>
+              <a:t>14/12/2022</a:t>
             </a:fld>
             <a:endParaRPr lang="en-GB"/>
           </a:p>
@@ -1619,7 +1619,7 @@
           <a:p>
             <a:fld id="{2EA2911C-3394-1F4D-8873-E7938CAA67D5}" type="datetimeFigureOut">
               <a:rPr lang="en-GB" smtClean="0"/>
-              <a:t>18/05/2022</a:t>
+              <a:t>14/12/2022</a:t>
             </a:fld>
             <a:endParaRPr lang="en-GB"/>
           </a:p>
@@ -1737,7 +1737,7 @@
           <a:p>
             <a:fld id="{2EA2911C-3394-1F4D-8873-E7938CAA67D5}" type="datetimeFigureOut">
               <a:rPr lang="en-GB" smtClean="0"/>
-              <a:t>18/05/2022</a:t>
+              <a:t>14/12/2022</a:t>
             </a:fld>
             <a:endParaRPr lang="en-GB"/>
           </a:p>
@@ -1832,7 +1832,7 @@
           <a:p>
             <a:fld id="{2EA2911C-3394-1F4D-8873-E7938CAA67D5}" type="datetimeFigureOut">
               <a:rPr lang="en-GB" smtClean="0"/>
-              <a:t>18/05/2022</a:t>
+              <a:t>14/12/2022</a:t>
             </a:fld>
             <a:endParaRPr lang="en-GB"/>
           </a:p>
@@ -2109,7 +2109,7 @@
           <a:p>
             <a:fld id="{2EA2911C-3394-1F4D-8873-E7938CAA67D5}" type="datetimeFigureOut">
               <a:rPr lang="en-GB" smtClean="0"/>
-              <a:t>18/05/2022</a:t>
+              <a:t>14/12/2022</a:t>
             </a:fld>
             <a:endParaRPr lang="en-GB"/>
           </a:p>
@@ -2366,7 +2366,7 @@
           <a:p>
             <a:fld id="{2EA2911C-3394-1F4D-8873-E7938CAA67D5}" type="datetimeFigureOut">
               <a:rPr lang="en-GB" smtClean="0"/>
-              <a:t>18/05/2022</a:t>
+              <a:t>14/12/2022</a:t>
             </a:fld>
             <a:endParaRPr lang="en-GB"/>
           </a:p>
@@ -2579,7 +2579,7 @@
           <a:p>
             <a:fld id="{2EA2911C-3394-1F4D-8873-E7938CAA67D5}" type="datetimeFigureOut">
               <a:rPr lang="en-GB" smtClean="0"/>
-              <a:t>18/05/2022</a:t>
+              <a:t>14/12/2022</a:t>
             </a:fld>
             <a:endParaRPr lang="en-GB"/>
           </a:p>
@@ -3015,35 +3015,6 @@
       </p:pic>
       <p:pic>
         <p:nvPicPr>
-          <p:cNvPr id="5" name="Picture 4" descr="Chart&#10;&#10;Description automatically generated with low confidence">
-            <a:extLst>
-              <a:ext uri="{FF2B5EF4-FFF2-40B4-BE49-F238E27FC236}">
-                <a16:creationId xmlns:a16="http://schemas.microsoft.com/office/drawing/2014/main" id="{CADABBB2-370C-7585-2E6B-713F3F5DEEBB}"/>
-              </a:ext>
-            </a:extLst>
-          </p:cNvPr>
-          <p:cNvPicPr>
-            <a:picLocks noChangeAspect="1"/>
-          </p:cNvPicPr>
-          <p:nvPr/>
-        </p:nvPicPr>
-        <p:blipFill rotWithShape="1">
-          <a:blip r:embed="rId3"/>
-          <a:srcRect t="1321"/>
-          <a:stretch/>
-        </p:blipFill>
-        <p:spPr>
-          <a:xfrm>
-            <a:off x="5968521" y="-1"/>
-            <a:ext cx="3009648" cy="2969881"/>
-          </a:xfrm>
-          <a:prstGeom prst="rect">
-            <a:avLst/>
-          </a:prstGeom>
-        </p:spPr>
-      </p:pic>
-      <p:pic>
-        <p:nvPicPr>
           <p:cNvPr id="6" name="Picture 5">
             <a:extLst>
               <a:ext uri="{FF2B5EF4-FFF2-40B4-BE49-F238E27FC236}">
@@ -3057,7 +3028,7 @@
           <p:nvPr/>
         </p:nvPicPr>
         <p:blipFill rotWithShape="1">
-          <a:blip r:embed="rId4"/>
+          <a:blip r:embed="rId3"/>
           <a:srcRect l="4446" t="5088" r="4327" b="5556"/>
           <a:stretch/>
         </p:blipFill>
@@ -3161,6 +3132,76 @@
           <a:xfrm>
             <a:off x="6626844" y="2094122"/>
             <a:ext cx="330452" cy="400110"/>
+          </a:xfrm>
+          <a:prstGeom prst="rect">
+            <a:avLst/>
+          </a:prstGeom>
+          <a:noFill/>
+        </p:spPr>
+        <p:txBody>
+          <a:bodyPr wrap="square" rtlCol="0">
+            <a:spAutoFit/>
+          </a:bodyPr>
+          <a:lstStyle/>
+          <a:p>
+            <a:r>
+              <a:rPr lang="en-GB" sz="2000" b="1" dirty="0">
+                <a:solidFill>
+                  <a:schemeClr val="bg1"/>
+                </a:solidFill>
+                <a:latin typeface="Helvetica" pitchFamily="2" charset="0"/>
+              </a:rPr>
+              <a:t>c</a:t>
+            </a:r>
+          </a:p>
+        </p:txBody>
+      </p:sp>
+      <p:pic>
+        <p:nvPicPr>
+          <p:cNvPr id="3" name="Picture 2">
+            <a:extLst>
+              <a:ext uri="{FF2B5EF4-FFF2-40B4-BE49-F238E27FC236}">
+                <a16:creationId xmlns:a16="http://schemas.microsoft.com/office/drawing/2014/main" id="{48CCD3C5-0C04-3058-B400-C8A0A7E16956}"/>
+              </a:ext>
+            </a:extLst>
+          </p:cNvPr>
+          <p:cNvPicPr>
+            <a:picLocks noChangeAspect="1"/>
+          </p:cNvPicPr>
+          <p:nvPr/>
+        </p:nvPicPr>
+        <p:blipFill>
+          <a:blip r:embed="rId4"/>
+          <a:stretch>
+            <a:fillRect/>
+          </a:stretch>
+        </p:blipFill>
+        <p:spPr>
+          <a:xfrm>
+            <a:off x="5968521" y="0"/>
+            <a:ext cx="2991481" cy="2991481"/>
+          </a:xfrm>
+          <a:prstGeom prst="rect">
+            <a:avLst/>
+          </a:prstGeom>
+        </p:spPr>
+      </p:pic>
+      <p:sp>
+        <p:nvSpPr>
+          <p:cNvPr id="7" name="TextBox 6">
+            <a:extLst>
+              <a:ext uri="{FF2B5EF4-FFF2-40B4-BE49-F238E27FC236}">
+                <a16:creationId xmlns:a16="http://schemas.microsoft.com/office/drawing/2014/main" id="{A07ECB34-6F60-E0C6-BC82-CF7067FF5706}"/>
+              </a:ext>
+            </a:extLst>
+          </p:cNvPr>
+          <p:cNvSpPr txBox="1"/>
+          <p:nvPr/>
+        </p:nvSpPr>
+        <p:spPr>
+          <a:xfrm>
+            <a:off x="6626844" y="2135958"/>
+            <a:ext cx="308282" cy="400110"/>
           </a:xfrm>
           <a:prstGeom prst="rect">
             <a:avLst/>
